--- a/docs/others/kubevirt.pptx
+++ b/docs/others/kubevirt.pptx
@@ -5,10 +5,13 @@
     <p:sldMasterId id="2147483648" r:id="rId1"/>
   </p:sldMasterIdLst>
   <p:notesMasterIdLst>
-    <p:notesMasterId r:id="rId3"/>
+    <p:notesMasterId r:id="rId6"/>
   </p:notesMasterIdLst>
   <p:sldIdLst>
     <p:sldId id="611" r:id="rId2"/>
+    <p:sldId id="612" r:id="rId3"/>
+    <p:sldId id="615" r:id="rId4"/>
+    <p:sldId id="614" r:id="rId5"/>
   </p:sldIdLst>
   <p:sldSz cx="12192000" cy="6858000"/>
   <p:notesSz cx="6858000" cy="9144000"/>
@@ -208,7 +211,7 @@
           <a:p>
             <a:fld id="{300272A7-F9A6-4ADB-B661-7DBAAAFB8538}" type="datetimeFigureOut">
               <a:rPr lang="zh-CN" altLang="en-US" smtClean="0"/>
-              <a:t>2019/5/4</a:t>
+              <a:t>2019/6/19</a:t>
             </a:fld>
             <a:endParaRPr lang="zh-CN" altLang="en-US"/>
           </a:p>
@@ -584,6 +587,333 @@
 </p:notes>
 </file>
 
+<file path=ppt/notesSlides/notesSlide2.xml><?xml version="1.0" encoding="utf-8"?>
+<p:notes xmlns:a="http://schemas.openxmlformats.org/drawingml/2006/main" xmlns:r="http://schemas.openxmlformats.org/officeDocument/2006/relationships" xmlns:p="http://schemas.openxmlformats.org/presentationml/2006/main">
+  <p:cSld>
+    <p:spTree>
+      <p:nvGrpSpPr>
+        <p:cNvPr id="1" name=""/>
+        <p:cNvGrpSpPr/>
+        <p:nvPr/>
+      </p:nvGrpSpPr>
+      <p:grpSpPr>
+        <a:xfrm>
+          <a:off x="0" y="0"/>
+          <a:ext cx="0" cy="0"/>
+          <a:chOff x="0" y="0"/>
+          <a:chExt cx="0" cy="0"/>
+        </a:xfrm>
+      </p:grpSpPr>
+      <p:sp>
+        <p:nvSpPr>
+          <p:cNvPr id="2" name="幻灯片图像占位符 1"/>
+          <p:cNvSpPr>
+            <a:spLocks noGrp="1" noRot="1" noChangeAspect="1"/>
+          </p:cNvSpPr>
+          <p:nvPr>
+            <p:ph type="sldImg"/>
+          </p:nvPr>
+        </p:nvSpPr>
+        <p:spPr/>
+      </p:sp>
+      <p:sp>
+        <p:nvSpPr>
+          <p:cNvPr id="3" name="备注占位符 2"/>
+          <p:cNvSpPr>
+            <a:spLocks noGrp="1"/>
+          </p:cNvSpPr>
+          <p:nvPr>
+            <p:ph type="body" idx="1"/>
+          </p:nvPr>
+        </p:nvSpPr>
+        <p:spPr/>
+        <p:txBody>
+          <a:bodyPr/>
+          <a:lstStyle/>
+          <a:p>
+            <a:pPr marL="0" marR="0" indent="0" algn="l" defTabSz="914400" rtl="0" eaLnBrk="1" fontAlgn="auto" latinLnBrk="0" hangingPunct="1">
+              <a:lnSpc>
+                <a:spcPct val="100000"/>
+              </a:lnSpc>
+              <a:spcBef>
+                <a:spcPts val="0"/>
+              </a:spcBef>
+              <a:spcAft>
+                <a:spcPts val="0"/>
+              </a:spcAft>
+              <a:buClrTx/>
+              <a:buSzTx/>
+              <a:buFontTx/>
+              <a:buNone/>
+              <a:tabLst/>
+              <a:defRPr/>
+            </a:pPr>
+            <a:endParaRPr lang="en-US" altLang="zh-CN" sz="1200" b="1" i="0" kern="1200" dirty="0" smtClean="0">
+              <a:solidFill>
+                <a:schemeClr val="tx1"/>
+              </a:solidFill>
+              <a:effectLst/>
+              <a:latin typeface="+mn-lt"/>
+              <a:ea typeface="+mn-ea"/>
+              <a:cs typeface="+mn-cs"/>
+            </a:endParaRPr>
+          </a:p>
+        </p:txBody>
+      </p:sp>
+      <p:sp>
+        <p:nvSpPr>
+          <p:cNvPr id="4" name="灯片编号占位符 3"/>
+          <p:cNvSpPr>
+            <a:spLocks noGrp="1"/>
+          </p:cNvSpPr>
+          <p:nvPr>
+            <p:ph type="sldNum" sz="quarter" idx="10"/>
+          </p:nvPr>
+        </p:nvSpPr>
+        <p:spPr/>
+        <p:txBody>
+          <a:bodyPr/>
+          <a:lstStyle/>
+          <a:p>
+            <a:fld id="{5E46389C-7C41-4606-B462-BCFADBC7B30F}" type="slidenum">
+              <a:rPr lang="zh-CN" altLang="en-US" smtClean="0"/>
+              <a:t>2</a:t>
+            </a:fld>
+            <a:endParaRPr lang="zh-CN" altLang="en-US"/>
+          </a:p>
+        </p:txBody>
+      </p:sp>
+    </p:spTree>
+    <p:extLst>
+      <p:ext uri="{BB962C8B-B14F-4D97-AF65-F5344CB8AC3E}">
+        <p14:creationId xmlns:p14="http://schemas.microsoft.com/office/powerpoint/2010/main" val="3569509666"/>
+      </p:ext>
+    </p:extLst>
+  </p:cSld>
+  <p:clrMapOvr>
+    <a:masterClrMapping/>
+  </p:clrMapOvr>
+</p:notes>
+</file>
+
+<file path=ppt/notesSlides/notesSlide3.xml><?xml version="1.0" encoding="utf-8"?>
+<p:notes xmlns:a="http://schemas.openxmlformats.org/drawingml/2006/main" xmlns:r="http://schemas.openxmlformats.org/officeDocument/2006/relationships" xmlns:p="http://schemas.openxmlformats.org/presentationml/2006/main">
+  <p:cSld>
+    <p:spTree>
+      <p:nvGrpSpPr>
+        <p:cNvPr id="1" name=""/>
+        <p:cNvGrpSpPr/>
+        <p:nvPr/>
+      </p:nvGrpSpPr>
+      <p:grpSpPr>
+        <a:xfrm>
+          <a:off x="0" y="0"/>
+          <a:ext cx="0" cy="0"/>
+          <a:chOff x="0" y="0"/>
+          <a:chExt cx="0" cy="0"/>
+        </a:xfrm>
+      </p:grpSpPr>
+      <p:sp>
+        <p:nvSpPr>
+          <p:cNvPr id="2" name="幻灯片图像占位符 1"/>
+          <p:cNvSpPr>
+            <a:spLocks noGrp="1" noRot="1" noChangeAspect="1"/>
+          </p:cNvSpPr>
+          <p:nvPr>
+            <p:ph type="sldImg"/>
+          </p:nvPr>
+        </p:nvSpPr>
+        <p:spPr/>
+      </p:sp>
+      <p:sp>
+        <p:nvSpPr>
+          <p:cNvPr id="3" name="备注占位符 2"/>
+          <p:cNvSpPr>
+            <a:spLocks noGrp="1"/>
+          </p:cNvSpPr>
+          <p:nvPr>
+            <p:ph type="body" idx="1"/>
+          </p:nvPr>
+        </p:nvSpPr>
+        <p:spPr/>
+        <p:txBody>
+          <a:bodyPr/>
+          <a:lstStyle/>
+          <a:p>
+            <a:pPr marL="0" marR="0" indent="0" algn="l" defTabSz="914400" rtl="0" eaLnBrk="1" fontAlgn="auto" latinLnBrk="0" hangingPunct="1">
+              <a:lnSpc>
+                <a:spcPct val="100000"/>
+              </a:lnSpc>
+              <a:spcBef>
+                <a:spcPts val="0"/>
+              </a:spcBef>
+              <a:spcAft>
+                <a:spcPts val="0"/>
+              </a:spcAft>
+              <a:buClrTx/>
+              <a:buSzTx/>
+              <a:buFontTx/>
+              <a:buNone/>
+              <a:tabLst/>
+              <a:defRPr/>
+            </a:pPr>
+            <a:endParaRPr lang="en-US" altLang="zh-CN" sz="1200" b="1" i="0" kern="1200" dirty="0" smtClean="0">
+              <a:solidFill>
+                <a:schemeClr val="tx1"/>
+              </a:solidFill>
+              <a:effectLst/>
+              <a:latin typeface="+mn-lt"/>
+              <a:ea typeface="+mn-ea"/>
+              <a:cs typeface="+mn-cs"/>
+            </a:endParaRPr>
+          </a:p>
+        </p:txBody>
+      </p:sp>
+      <p:sp>
+        <p:nvSpPr>
+          <p:cNvPr id="4" name="灯片编号占位符 3"/>
+          <p:cNvSpPr>
+            <a:spLocks noGrp="1"/>
+          </p:cNvSpPr>
+          <p:nvPr>
+            <p:ph type="sldNum" sz="quarter" idx="10"/>
+          </p:nvPr>
+        </p:nvSpPr>
+        <p:spPr/>
+        <p:txBody>
+          <a:bodyPr/>
+          <a:lstStyle/>
+          <a:p>
+            <a:fld id="{5E46389C-7C41-4606-B462-BCFADBC7B30F}" type="slidenum">
+              <a:rPr lang="zh-CN" altLang="en-US" smtClean="0"/>
+              <a:t>3</a:t>
+            </a:fld>
+            <a:endParaRPr lang="zh-CN" altLang="en-US"/>
+          </a:p>
+        </p:txBody>
+      </p:sp>
+    </p:spTree>
+    <p:extLst>
+      <p:ext uri="{BB962C8B-B14F-4D97-AF65-F5344CB8AC3E}">
+        <p14:creationId xmlns:p14="http://schemas.microsoft.com/office/powerpoint/2010/main" val="2618100357"/>
+      </p:ext>
+    </p:extLst>
+  </p:cSld>
+  <p:clrMapOvr>
+    <a:masterClrMapping/>
+  </p:clrMapOvr>
+</p:notes>
+</file>
+
+<file path=ppt/notesSlides/notesSlide4.xml><?xml version="1.0" encoding="utf-8"?>
+<p:notes xmlns:a="http://schemas.openxmlformats.org/drawingml/2006/main" xmlns:r="http://schemas.openxmlformats.org/officeDocument/2006/relationships" xmlns:p="http://schemas.openxmlformats.org/presentationml/2006/main">
+  <p:cSld>
+    <p:spTree>
+      <p:nvGrpSpPr>
+        <p:cNvPr id="1" name=""/>
+        <p:cNvGrpSpPr/>
+        <p:nvPr/>
+      </p:nvGrpSpPr>
+      <p:grpSpPr>
+        <a:xfrm>
+          <a:off x="0" y="0"/>
+          <a:ext cx="0" cy="0"/>
+          <a:chOff x="0" y="0"/>
+          <a:chExt cx="0" cy="0"/>
+        </a:xfrm>
+      </p:grpSpPr>
+      <p:sp>
+        <p:nvSpPr>
+          <p:cNvPr id="2" name="幻灯片图像占位符 1"/>
+          <p:cNvSpPr>
+            <a:spLocks noGrp="1" noRot="1" noChangeAspect="1"/>
+          </p:cNvSpPr>
+          <p:nvPr>
+            <p:ph type="sldImg"/>
+          </p:nvPr>
+        </p:nvSpPr>
+        <p:spPr/>
+      </p:sp>
+      <p:sp>
+        <p:nvSpPr>
+          <p:cNvPr id="3" name="备注占位符 2"/>
+          <p:cNvSpPr>
+            <a:spLocks noGrp="1"/>
+          </p:cNvSpPr>
+          <p:nvPr>
+            <p:ph type="body" idx="1"/>
+          </p:nvPr>
+        </p:nvSpPr>
+        <p:spPr/>
+        <p:txBody>
+          <a:bodyPr/>
+          <a:lstStyle/>
+          <a:p>
+            <a:pPr marL="0" marR="0" indent="0" algn="l" defTabSz="914400" rtl="0" eaLnBrk="1" fontAlgn="auto" latinLnBrk="0" hangingPunct="1">
+              <a:lnSpc>
+                <a:spcPct val="100000"/>
+              </a:lnSpc>
+              <a:spcBef>
+                <a:spcPts val="0"/>
+              </a:spcBef>
+              <a:spcAft>
+                <a:spcPts val="0"/>
+              </a:spcAft>
+              <a:buClrTx/>
+              <a:buSzTx/>
+              <a:buFontTx/>
+              <a:buNone/>
+              <a:tabLst/>
+              <a:defRPr/>
+            </a:pPr>
+            <a:endParaRPr lang="en-US" altLang="zh-CN" sz="1200" b="1" i="0" kern="1200" dirty="0" smtClean="0">
+              <a:solidFill>
+                <a:schemeClr val="tx1"/>
+              </a:solidFill>
+              <a:effectLst/>
+              <a:latin typeface="+mn-lt"/>
+              <a:ea typeface="+mn-ea"/>
+              <a:cs typeface="+mn-cs"/>
+            </a:endParaRPr>
+          </a:p>
+        </p:txBody>
+      </p:sp>
+      <p:sp>
+        <p:nvSpPr>
+          <p:cNvPr id="4" name="灯片编号占位符 3"/>
+          <p:cNvSpPr>
+            <a:spLocks noGrp="1"/>
+          </p:cNvSpPr>
+          <p:nvPr>
+            <p:ph type="sldNum" sz="quarter" idx="10"/>
+          </p:nvPr>
+        </p:nvSpPr>
+        <p:spPr/>
+        <p:txBody>
+          <a:bodyPr/>
+          <a:lstStyle/>
+          <a:p>
+            <a:fld id="{5E46389C-7C41-4606-B462-BCFADBC7B30F}" type="slidenum">
+              <a:rPr lang="zh-CN" altLang="en-US" smtClean="0"/>
+              <a:t>4</a:t>
+            </a:fld>
+            <a:endParaRPr lang="zh-CN" altLang="en-US"/>
+          </a:p>
+        </p:txBody>
+      </p:sp>
+    </p:spTree>
+    <p:extLst>
+      <p:ext uri="{BB962C8B-B14F-4D97-AF65-F5344CB8AC3E}">
+        <p14:creationId xmlns:p14="http://schemas.microsoft.com/office/powerpoint/2010/main" val="386053078"/>
+      </p:ext>
+    </p:extLst>
+  </p:cSld>
+  <p:clrMapOvr>
+    <a:masterClrMapping/>
+  </p:clrMapOvr>
+</p:notes>
+</file>
+
 <file path=ppt/slideLayouts/slideLayout1.xml><?xml version="1.0" encoding="utf-8"?>
 <p:sldLayout xmlns:a="http://schemas.openxmlformats.org/drawingml/2006/main" xmlns:r="http://schemas.openxmlformats.org/officeDocument/2006/relationships" xmlns:p="http://schemas.openxmlformats.org/presentationml/2006/main" type="title" preserve="1">
   <p:cSld name="标题幻灯片">
@@ -713,7 +1043,7 @@
           <a:p>
             <a:fld id="{BE9EE6CF-13F7-4B5A-A653-432FA71A7777}" type="datetimeFigureOut">
               <a:rPr lang="zh-CN" altLang="en-US" smtClean="0"/>
-              <a:t>2019/5/4</a:t>
+              <a:t>2019/6/19</a:t>
             </a:fld>
             <a:endParaRPr lang="zh-CN" altLang="en-US"/>
           </a:p>
@@ -881,7 +1211,7 @@
           <a:p>
             <a:fld id="{BE9EE6CF-13F7-4B5A-A653-432FA71A7777}" type="datetimeFigureOut">
               <a:rPr lang="zh-CN" altLang="en-US" smtClean="0"/>
-              <a:t>2019/5/4</a:t>
+              <a:t>2019/6/19</a:t>
             </a:fld>
             <a:endParaRPr lang="zh-CN" altLang="en-US"/>
           </a:p>
@@ -1059,7 +1389,7 @@
           <a:p>
             <a:fld id="{BE9EE6CF-13F7-4B5A-A653-432FA71A7777}" type="datetimeFigureOut">
               <a:rPr lang="zh-CN" altLang="en-US" smtClean="0"/>
-              <a:t>2019/5/4</a:t>
+              <a:t>2019/6/19</a:t>
             </a:fld>
             <a:endParaRPr lang="zh-CN" altLang="en-US"/>
           </a:p>
@@ -1227,7 +1557,7 @@
           <a:p>
             <a:fld id="{BE9EE6CF-13F7-4B5A-A653-432FA71A7777}" type="datetimeFigureOut">
               <a:rPr lang="zh-CN" altLang="en-US" smtClean="0"/>
-              <a:t>2019/5/4</a:t>
+              <a:t>2019/6/19</a:t>
             </a:fld>
             <a:endParaRPr lang="zh-CN" altLang="en-US"/>
           </a:p>
@@ -1472,7 +1802,7 @@
           <a:p>
             <a:fld id="{BE9EE6CF-13F7-4B5A-A653-432FA71A7777}" type="datetimeFigureOut">
               <a:rPr lang="zh-CN" altLang="en-US" smtClean="0"/>
-              <a:t>2019/5/4</a:t>
+              <a:t>2019/6/19</a:t>
             </a:fld>
             <a:endParaRPr lang="zh-CN" altLang="en-US"/>
           </a:p>
@@ -1701,7 +2031,7 @@
           <a:p>
             <a:fld id="{BE9EE6CF-13F7-4B5A-A653-432FA71A7777}" type="datetimeFigureOut">
               <a:rPr lang="zh-CN" altLang="en-US" smtClean="0"/>
-              <a:t>2019/5/4</a:t>
+              <a:t>2019/6/19</a:t>
             </a:fld>
             <a:endParaRPr lang="zh-CN" altLang="en-US"/>
           </a:p>
@@ -2065,7 +2395,7 @@
           <a:p>
             <a:fld id="{BE9EE6CF-13F7-4B5A-A653-432FA71A7777}" type="datetimeFigureOut">
               <a:rPr lang="zh-CN" altLang="en-US" smtClean="0"/>
-              <a:t>2019/5/4</a:t>
+              <a:t>2019/6/19</a:t>
             </a:fld>
             <a:endParaRPr lang="zh-CN" altLang="en-US"/>
           </a:p>
@@ -2182,7 +2512,7 @@
           <a:p>
             <a:fld id="{BE9EE6CF-13F7-4B5A-A653-432FA71A7777}" type="datetimeFigureOut">
               <a:rPr lang="zh-CN" altLang="en-US" smtClean="0"/>
-              <a:t>2019/5/4</a:t>
+              <a:t>2019/6/19</a:t>
             </a:fld>
             <a:endParaRPr lang="zh-CN" altLang="en-US"/>
           </a:p>
@@ -2277,7 +2607,7 @@
           <a:p>
             <a:fld id="{BE9EE6CF-13F7-4B5A-A653-432FA71A7777}" type="datetimeFigureOut">
               <a:rPr lang="zh-CN" altLang="en-US" smtClean="0"/>
-              <a:t>2019/5/4</a:t>
+              <a:t>2019/6/19</a:t>
             </a:fld>
             <a:endParaRPr lang="zh-CN" altLang="en-US"/>
           </a:p>
@@ -2552,7 +2882,7 @@
           <a:p>
             <a:fld id="{BE9EE6CF-13F7-4B5A-A653-432FA71A7777}" type="datetimeFigureOut">
               <a:rPr lang="zh-CN" altLang="en-US" smtClean="0"/>
-              <a:t>2019/5/4</a:t>
+              <a:t>2019/6/19</a:t>
             </a:fld>
             <a:endParaRPr lang="zh-CN" altLang="en-US"/>
           </a:p>
@@ -2804,7 +3134,7 @@
           <a:p>
             <a:fld id="{BE9EE6CF-13F7-4B5A-A653-432FA71A7777}" type="datetimeFigureOut">
               <a:rPr lang="zh-CN" altLang="en-US" smtClean="0"/>
-              <a:t>2019/5/4</a:t>
+              <a:t>2019/6/19</a:t>
             </a:fld>
             <a:endParaRPr lang="zh-CN" altLang="en-US"/>
           </a:p>
@@ -3015,7 +3345,7 @@
           <a:p>
             <a:fld id="{BE9EE6CF-13F7-4B5A-A653-432FA71A7777}" type="datetimeFigureOut">
               <a:rPr lang="zh-CN" altLang="en-US" smtClean="0"/>
-              <a:t>2019/5/4</a:t>
+              <a:t>2019/6/19</a:t>
             </a:fld>
             <a:endParaRPr lang="zh-CN" altLang="en-US"/>
           </a:p>
@@ -6521,13 +6851,6 @@
                 </a:rPr>
                 <a:t>Convertor</a:t>
               </a:r>
-              <a:endParaRPr lang="en-US" altLang="zh-CN" dirty="0" smtClean="0">
-                <a:solidFill>
-                  <a:schemeClr val="tx1"/>
-                </a:solidFill>
-                <a:latin typeface="Times New Roman" panose="02020603050405020304" pitchFamily="18" charset="0"/>
-                <a:cs typeface="Times New Roman" panose="02020603050405020304" pitchFamily="18" charset="0"/>
-              </a:endParaRPr>
             </a:p>
             <a:p>
               <a:pPr algn="ctr"/>
@@ -6754,6 +7077,1736 @@
     <p:extLst>
       <p:ext uri="{BB962C8B-B14F-4D97-AF65-F5344CB8AC3E}">
         <p14:creationId xmlns:p14="http://schemas.microsoft.com/office/powerpoint/2010/main" val="1081776330"/>
+      </p:ext>
+    </p:extLst>
+  </p:cSld>
+  <p:clrMapOvr>
+    <a:masterClrMapping/>
+  </p:clrMapOvr>
+  <p:timing>
+    <p:tnLst>
+      <p:par>
+        <p:cTn id="1" dur="indefinite" restart="never" nodeType="tmRoot"/>
+      </p:par>
+    </p:tnLst>
+  </p:timing>
+</p:sld>
+</file>
+
+<file path=ppt/slides/slide2.xml><?xml version="1.0" encoding="utf-8"?>
+<p:sld xmlns:a="http://schemas.openxmlformats.org/drawingml/2006/main" xmlns:r="http://schemas.openxmlformats.org/officeDocument/2006/relationships" xmlns:p="http://schemas.openxmlformats.org/presentationml/2006/main">
+  <p:cSld>
+    <p:spTree>
+      <p:nvGrpSpPr>
+        <p:cNvPr id="1" name=""/>
+        <p:cNvGrpSpPr/>
+        <p:nvPr/>
+      </p:nvGrpSpPr>
+      <p:grpSpPr>
+        <a:xfrm>
+          <a:off x="0" y="0"/>
+          <a:ext cx="0" cy="0"/>
+          <a:chOff x="0" y="0"/>
+          <a:chExt cx="0" cy="0"/>
+        </a:xfrm>
+      </p:grpSpPr>
+      <p:sp>
+        <p:nvSpPr>
+          <p:cNvPr id="91" name="标题 1"/>
+          <p:cNvSpPr>
+            <a:spLocks noGrp="1"/>
+          </p:cNvSpPr>
+          <p:nvPr>
+            <p:ph type="title"/>
+          </p:nvPr>
+        </p:nvSpPr>
+        <p:spPr>
+          <a:xfrm>
+            <a:off x="574892" y="164983"/>
+            <a:ext cx="11579008" cy="930315"/>
+          </a:xfrm>
+        </p:spPr>
+        <p:txBody>
+          <a:bodyPr>
+            <a:noAutofit/>
+          </a:bodyPr>
+          <a:lstStyle/>
+          <a:p>
+            <a:r>
+              <a:rPr lang="en-US" altLang="zh-CN" sz="3200" dirty="0" smtClean="0">
+                <a:latin typeface="Times New Roman" panose="02020603050405020304" pitchFamily="18" charset="0"/>
+                <a:ea typeface="隶书" pitchFamily="49" charset="-122"/>
+                <a:cs typeface="Times New Roman" panose="02020603050405020304" pitchFamily="18" charset="0"/>
+                <a:sym typeface="+mn-ea"/>
+              </a:rPr>
+              <a:t>Architecture</a:t>
+            </a:r>
+            <a:endParaRPr lang="en-US" altLang="zh-CN" sz="3200" dirty="0">
+              <a:latin typeface="Times New Roman" panose="02020603050405020304" pitchFamily="18" charset="0"/>
+              <a:ea typeface="隶书" pitchFamily="49" charset="-122"/>
+              <a:cs typeface="Times New Roman" panose="02020603050405020304" pitchFamily="18" charset="0"/>
+              <a:sym typeface="+mn-ea"/>
+            </a:endParaRPr>
+          </a:p>
+        </p:txBody>
+      </p:sp>
+      <p:sp>
+        <p:nvSpPr>
+          <p:cNvPr id="70" name="矩形 69"/>
+          <p:cNvSpPr/>
+          <p:nvPr/>
+        </p:nvSpPr>
+        <p:spPr>
+          <a:xfrm>
+            <a:off x="6627678" y="2406315"/>
+            <a:ext cx="2169813" cy="567337"/>
+          </a:xfrm>
+          <a:prstGeom prst="rect">
+            <a:avLst/>
+          </a:prstGeom>
+          <a:solidFill>
+            <a:schemeClr val="bg1"/>
+          </a:solidFill>
+          <a:ln w="28575">
+            <a:solidFill>
+              <a:schemeClr val="tx1"/>
+            </a:solidFill>
+          </a:ln>
+        </p:spPr>
+        <p:style>
+          <a:lnRef idx="2">
+            <a:schemeClr val="accent1">
+              <a:shade val="50000"/>
+            </a:schemeClr>
+          </a:lnRef>
+          <a:fillRef idx="1">
+            <a:schemeClr val="accent1"/>
+          </a:fillRef>
+          <a:effectRef idx="0">
+            <a:schemeClr val="accent1"/>
+          </a:effectRef>
+          <a:fontRef idx="minor">
+            <a:schemeClr val="lt1"/>
+          </a:fontRef>
+        </p:style>
+        <p:txBody>
+          <a:bodyPr rtlCol="0" anchor="ctr"/>
+          <a:lstStyle/>
+          <a:p>
+            <a:pPr algn="ctr"/>
+            <a:r>
+              <a:rPr lang="en-US" altLang="zh-CN" dirty="0" err="1" smtClean="0">
+                <a:solidFill>
+                  <a:schemeClr val="tx1"/>
+                </a:solidFill>
+                <a:latin typeface="Times New Roman" panose="02020603050405020304" pitchFamily="18" charset="0"/>
+                <a:cs typeface="Times New Roman" panose="02020603050405020304" pitchFamily="18" charset="0"/>
+              </a:rPr>
+              <a:t>Kube-apiserver</a:t>
+            </a:r>
+            <a:endParaRPr lang="en-US" altLang="zh-CN" dirty="0" smtClean="0">
+              <a:solidFill>
+                <a:schemeClr val="tx1"/>
+              </a:solidFill>
+              <a:latin typeface="Times New Roman" panose="02020603050405020304" pitchFamily="18" charset="0"/>
+              <a:cs typeface="Times New Roman" panose="02020603050405020304" pitchFamily="18" charset="0"/>
+            </a:endParaRPr>
+          </a:p>
+        </p:txBody>
+      </p:sp>
+      <p:pic>
+        <p:nvPicPr>
+          <p:cNvPr id="5" name="图片 4"/>
+          <p:cNvPicPr>
+            <a:picLocks noChangeAspect="1"/>
+          </p:cNvPicPr>
+          <p:nvPr/>
+        </p:nvPicPr>
+        <p:blipFill>
+          <a:blip r:embed="rId3"/>
+          <a:stretch>
+            <a:fillRect/>
+          </a:stretch>
+        </p:blipFill>
+        <p:spPr>
+          <a:xfrm>
+            <a:off x="1346584" y="2088682"/>
+            <a:ext cx="3312043" cy="1771935"/>
+          </a:xfrm>
+          <a:prstGeom prst="rect">
+            <a:avLst/>
+          </a:prstGeom>
+        </p:spPr>
+      </p:pic>
+      <p:sp>
+        <p:nvSpPr>
+          <p:cNvPr id="71" name="矩形 70"/>
+          <p:cNvSpPr/>
+          <p:nvPr/>
+        </p:nvSpPr>
+        <p:spPr>
+          <a:xfrm>
+            <a:off x="6627677" y="4309683"/>
+            <a:ext cx="2169814" cy="552679"/>
+          </a:xfrm>
+          <a:prstGeom prst="rect">
+            <a:avLst/>
+          </a:prstGeom>
+          <a:solidFill>
+            <a:schemeClr val="bg1"/>
+          </a:solidFill>
+          <a:ln w="28575">
+            <a:solidFill>
+              <a:schemeClr val="tx1"/>
+            </a:solidFill>
+          </a:ln>
+        </p:spPr>
+        <p:style>
+          <a:lnRef idx="2">
+            <a:schemeClr val="accent1">
+              <a:shade val="50000"/>
+            </a:schemeClr>
+          </a:lnRef>
+          <a:fillRef idx="1">
+            <a:schemeClr val="accent1"/>
+          </a:fillRef>
+          <a:effectRef idx="0">
+            <a:schemeClr val="accent1"/>
+          </a:effectRef>
+          <a:fontRef idx="minor">
+            <a:schemeClr val="lt1"/>
+          </a:fontRef>
+        </p:style>
+        <p:txBody>
+          <a:bodyPr rtlCol="0" anchor="ctr"/>
+          <a:lstStyle/>
+          <a:p>
+            <a:pPr algn="ctr"/>
+            <a:r>
+              <a:rPr lang="en-US" altLang="zh-CN" dirty="0" err="1" smtClean="0">
+                <a:solidFill>
+                  <a:schemeClr val="tx1"/>
+                </a:solidFill>
+                <a:latin typeface="Times New Roman" panose="02020603050405020304" pitchFamily="18" charset="0"/>
+                <a:cs typeface="Times New Roman" panose="02020603050405020304" pitchFamily="18" charset="0"/>
+              </a:rPr>
+              <a:t>virtctl</a:t>
+            </a:r>
+            <a:endParaRPr lang="en-US" altLang="zh-CN" dirty="0" smtClean="0">
+              <a:solidFill>
+                <a:schemeClr val="tx1"/>
+              </a:solidFill>
+              <a:latin typeface="Times New Roman" panose="02020603050405020304" pitchFamily="18" charset="0"/>
+              <a:cs typeface="Times New Roman" panose="02020603050405020304" pitchFamily="18" charset="0"/>
+            </a:endParaRPr>
+          </a:p>
+        </p:txBody>
+      </p:sp>
+      <p:sp>
+        <p:nvSpPr>
+          <p:cNvPr id="72" name="矩形 71"/>
+          <p:cNvSpPr/>
+          <p:nvPr/>
+        </p:nvSpPr>
+        <p:spPr>
+          <a:xfrm>
+            <a:off x="6627675" y="5677903"/>
+            <a:ext cx="2169816" cy="562999"/>
+          </a:xfrm>
+          <a:prstGeom prst="rect">
+            <a:avLst/>
+          </a:prstGeom>
+          <a:solidFill>
+            <a:schemeClr val="bg1"/>
+          </a:solidFill>
+          <a:ln w="28575">
+            <a:solidFill>
+              <a:schemeClr val="tx1"/>
+            </a:solidFill>
+          </a:ln>
+        </p:spPr>
+        <p:style>
+          <a:lnRef idx="2">
+            <a:schemeClr val="accent1">
+              <a:shade val="50000"/>
+            </a:schemeClr>
+          </a:lnRef>
+          <a:fillRef idx="1">
+            <a:schemeClr val="accent1"/>
+          </a:fillRef>
+          <a:effectRef idx="0">
+            <a:schemeClr val="accent1"/>
+          </a:effectRef>
+          <a:fontRef idx="minor">
+            <a:schemeClr val="lt1"/>
+          </a:fontRef>
+        </p:style>
+        <p:txBody>
+          <a:bodyPr rtlCol="0" anchor="ctr"/>
+          <a:lstStyle/>
+          <a:p>
+            <a:pPr algn="ctr"/>
+            <a:r>
+              <a:rPr lang="en-US" altLang="zh-CN" dirty="0" err="1" smtClean="0">
+                <a:solidFill>
+                  <a:schemeClr val="tx1"/>
+                </a:solidFill>
+                <a:latin typeface="Times New Roman" panose="02020603050405020304" pitchFamily="18" charset="0"/>
+                <a:cs typeface="Times New Roman" panose="02020603050405020304" pitchFamily="18" charset="0"/>
+              </a:rPr>
+              <a:t>libvirt</a:t>
+            </a:r>
+            <a:endParaRPr lang="en-US" altLang="zh-CN" dirty="0" smtClean="0">
+              <a:solidFill>
+                <a:schemeClr val="tx1"/>
+              </a:solidFill>
+              <a:latin typeface="Times New Roman" panose="02020603050405020304" pitchFamily="18" charset="0"/>
+              <a:cs typeface="Times New Roman" panose="02020603050405020304" pitchFamily="18" charset="0"/>
+            </a:endParaRPr>
+          </a:p>
+        </p:txBody>
+      </p:sp>
+      <p:pic>
+        <p:nvPicPr>
+          <p:cNvPr id="6" name="图片 5"/>
+          <p:cNvPicPr>
+            <a:picLocks noChangeAspect="1"/>
+          </p:cNvPicPr>
+          <p:nvPr/>
+        </p:nvPicPr>
+        <p:blipFill>
+          <a:blip r:embed="rId4"/>
+          <a:stretch>
+            <a:fillRect/>
+          </a:stretch>
+        </p:blipFill>
+        <p:spPr>
+          <a:xfrm>
+            <a:off x="1346584" y="4309683"/>
+            <a:ext cx="3522671" cy="1734981"/>
+          </a:xfrm>
+          <a:prstGeom prst="rect">
+            <a:avLst/>
+          </a:prstGeom>
+        </p:spPr>
+      </p:pic>
+      <p:sp>
+        <p:nvSpPr>
+          <p:cNvPr id="7" name="右箭头 6"/>
+          <p:cNvSpPr/>
+          <p:nvPr/>
+        </p:nvSpPr>
+        <p:spPr>
+          <a:xfrm>
+            <a:off x="5277295" y="2290259"/>
+            <a:ext cx="635267" cy="683393"/>
+          </a:xfrm>
+          <a:prstGeom prst="rightArrow">
+            <a:avLst/>
+          </a:prstGeom>
+          <a:solidFill>
+            <a:schemeClr val="bg1"/>
+          </a:solidFill>
+          <a:ln>
+            <a:solidFill>
+              <a:schemeClr val="tx1"/>
+            </a:solidFill>
+          </a:ln>
+        </p:spPr>
+        <p:style>
+          <a:lnRef idx="2">
+            <a:schemeClr val="accent1">
+              <a:shade val="50000"/>
+            </a:schemeClr>
+          </a:lnRef>
+          <a:fillRef idx="1">
+            <a:schemeClr val="accent1"/>
+          </a:fillRef>
+          <a:effectRef idx="0">
+            <a:schemeClr val="accent1"/>
+          </a:effectRef>
+          <a:fontRef idx="minor">
+            <a:schemeClr val="lt1"/>
+          </a:fontRef>
+        </p:style>
+        <p:txBody>
+          <a:bodyPr rtlCol="0" anchor="ctr"/>
+          <a:lstStyle/>
+          <a:p>
+            <a:pPr algn="ctr"/>
+            <a:endParaRPr lang="zh-CN" altLang="en-US"/>
+          </a:p>
+        </p:txBody>
+      </p:sp>
+      <p:sp>
+        <p:nvSpPr>
+          <p:cNvPr id="73" name="右箭头 72"/>
+          <p:cNvSpPr/>
+          <p:nvPr/>
+        </p:nvSpPr>
+        <p:spPr>
+          <a:xfrm rot="5400000" flipH="1">
+            <a:off x="7004460" y="3342705"/>
+            <a:ext cx="569216" cy="683393"/>
+          </a:xfrm>
+          <a:prstGeom prst="rightArrow">
+            <a:avLst/>
+          </a:prstGeom>
+          <a:solidFill>
+            <a:schemeClr val="bg1"/>
+          </a:solidFill>
+          <a:ln>
+            <a:solidFill>
+              <a:schemeClr val="tx1"/>
+            </a:solidFill>
+          </a:ln>
+        </p:spPr>
+        <p:style>
+          <a:lnRef idx="2">
+            <a:schemeClr val="accent1">
+              <a:shade val="50000"/>
+            </a:schemeClr>
+          </a:lnRef>
+          <a:fillRef idx="1">
+            <a:schemeClr val="accent1"/>
+          </a:fillRef>
+          <a:effectRef idx="0">
+            <a:schemeClr val="accent1"/>
+          </a:effectRef>
+          <a:fontRef idx="minor">
+            <a:schemeClr val="lt1"/>
+          </a:fontRef>
+        </p:style>
+        <p:txBody>
+          <a:bodyPr rtlCol="0" anchor="ctr"/>
+          <a:lstStyle/>
+          <a:p>
+            <a:pPr algn="ctr"/>
+            <a:endParaRPr lang="zh-CN" altLang="en-US"/>
+          </a:p>
+        </p:txBody>
+      </p:sp>
+      <p:sp>
+        <p:nvSpPr>
+          <p:cNvPr id="8" name="下弧形箭头 7"/>
+          <p:cNvSpPr/>
+          <p:nvPr/>
+        </p:nvSpPr>
+        <p:spPr>
+          <a:xfrm flipH="1">
+            <a:off x="6806435" y="4862362"/>
+            <a:ext cx="1812295" cy="736857"/>
+          </a:xfrm>
+          <a:prstGeom prst="curvedUpArrow">
+            <a:avLst/>
+          </a:prstGeom>
+          <a:solidFill>
+            <a:schemeClr val="bg1"/>
+          </a:solidFill>
+          <a:ln>
+            <a:solidFill>
+              <a:schemeClr val="tx1"/>
+            </a:solidFill>
+          </a:ln>
+        </p:spPr>
+        <p:style>
+          <a:lnRef idx="2">
+            <a:schemeClr val="accent1">
+              <a:shade val="50000"/>
+            </a:schemeClr>
+          </a:lnRef>
+          <a:fillRef idx="1">
+            <a:schemeClr val="accent1"/>
+          </a:fillRef>
+          <a:effectRef idx="0">
+            <a:schemeClr val="accent1"/>
+          </a:effectRef>
+          <a:fontRef idx="minor">
+            <a:schemeClr val="lt1"/>
+          </a:fontRef>
+        </p:style>
+        <p:txBody>
+          <a:bodyPr rtlCol="0" anchor="ctr"/>
+          <a:lstStyle/>
+          <a:p>
+            <a:pPr algn="ctr"/>
+            <a:endParaRPr lang="zh-CN" altLang="en-US"/>
+          </a:p>
+        </p:txBody>
+      </p:sp>
+      <p:sp>
+        <p:nvSpPr>
+          <p:cNvPr id="74" name="右箭头 73"/>
+          <p:cNvSpPr/>
+          <p:nvPr/>
+        </p:nvSpPr>
+        <p:spPr>
+          <a:xfrm flipH="1">
+            <a:off x="5341454" y="4244325"/>
+            <a:ext cx="635267" cy="683393"/>
+          </a:xfrm>
+          <a:prstGeom prst="rightArrow">
+            <a:avLst/>
+          </a:prstGeom>
+          <a:solidFill>
+            <a:schemeClr val="bg1"/>
+          </a:solidFill>
+          <a:ln>
+            <a:solidFill>
+              <a:schemeClr val="tx1"/>
+            </a:solidFill>
+          </a:ln>
+        </p:spPr>
+        <p:style>
+          <a:lnRef idx="2">
+            <a:schemeClr val="accent1">
+              <a:shade val="50000"/>
+            </a:schemeClr>
+          </a:lnRef>
+          <a:fillRef idx="1">
+            <a:schemeClr val="accent1"/>
+          </a:fillRef>
+          <a:effectRef idx="0">
+            <a:schemeClr val="accent1"/>
+          </a:effectRef>
+          <a:fontRef idx="minor">
+            <a:schemeClr val="lt1"/>
+          </a:fontRef>
+        </p:style>
+        <p:txBody>
+          <a:bodyPr rtlCol="0" anchor="ctr"/>
+          <a:lstStyle/>
+          <a:p>
+            <a:pPr algn="ctr"/>
+            <a:endParaRPr lang="zh-CN" altLang="en-US"/>
+          </a:p>
+        </p:txBody>
+      </p:sp>
+      <p:sp>
+        <p:nvSpPr>
+          <p:cNvPr id="75" name="矩形 74"/>
+          <p:cNvSpPr/>
+          <p:nvPr/>
+        </p:nvSpPr>
+        <p:spPr>
+          <a:xfrm>
+            <a:off x="4813781" y="1942191"/>
+            <a:ext cx="1562293" cy="327700"/>
+          </a:xfrm>
+          <a:prstGeom prst="rect">
+            <a:avLst/>
+          </a:prstGeom>
+          <a:solidFill>
+            <a:schemeClr val="bg1"/>
+          </a:solidFill>
+          <a:ln w="28575">
+            <a:noFill/>
+          </a:ln>
+        </p:spPr>
+        <p:style>
+          <a:lnRef idx="2">
+            <a:schemeClr val="accent1">
+              <a:shade val="50000"/>
+            </a:schemeClr>
+          </a:lnRef>
+          <a:fillRef idx="1">
+            <a:schemeClr val="accent1"/>
+          </a:fillRef>
+          <a:effectRef idx="0">
+            <a:schemeClr val="accent1"/>
+          </a:effectRef>
+          <a:fontRef idx="minor">
+            <a:schemeClr val="lt1"/>
+          </a:fontRef>
+        </p:style>
+        <p:txBody>
+          <a:bodyPr rtlCol="0" anchor="ctr"/>
+          <a:lstStyle/>
+          <a:p>
+            <a:pPr algn="ctr"/>
+            <a:r>
+              <a:rPr lang="en-US" altLang="zh-CN" dirty="0" smtClean="0">
+                <a:solidFill>
+                  <a:schemeClr val="tx1"/>
+                </a:solidFill>
+                <a:latin typeface="Times New Roman" panose="02020603050405020304" pitchFamily="18" charset="0"/>
+                <a:cs typeface="Times New Roman" panose="02020603050405020304" pitchFamily="18" charset="0"/>
+              </a:rPr>
+              <a:t>submit</a:t>
+            </a:r>
+            <a:endParaRPr lang="en-US" altLang="zh-CN" dirty="0" smtClean="0">
+              <a:solidFill>
+                <a:schemeClr val="tx1"/>
+              </a:solidFill>
+              <a:latin typeface="Times New Roman" panose="02020603050405020304" pitchFamily="18" charset="0"/>
+              <a:cs typeface="Times New Roman" panose="02020603050405020304" pitchFamily="18" charset="0"/>
+            </a:endParaRPr>
+          </a:p>
+        </p:txBody>
+      </p:sp>
+      <p:sp>
+        <p:nvSpPr>
+          <p:cNvPr id="76" name="矩形 75"/>
+          <p:cNvSpPr/>
+          <p:nvPr/>
+        </p:nvSpPr>
+        <p:spPr>
+          <a:xfrm>
+            <a:off x="7289069" y="3444485"/>
+            <a:ext cx="1562293" cy="327700"/>
+          </a:xfrm>
+          <a:prstGeom prst="rect">
+            <a:avLst/>
+          </a:prstGeom>
+          <a:noFill/>
+          <a:ln w="28575">
+            <a:noFill/>
+          </a:ln>
+        </p:spPr>
+        <p:style>
+          <a:lnRef idx="2">
+            <a:schemeClr val="accent1">
+              <a:shade val="50000"/>
+            </a:schemeClr>
+          </a:lnRef>
+          <a:fillRef idx="1">
+            <a:schemeClr val="accent1"/>
+          </a:fillRef>
+          <a:effectRef idx="0">
+            <a:schemeClr val="accent1"/>
+          </a:effectRef>
+          <a:fontRef idx="minor">
+            <a:schemeClr val="lt1"/>
+          </a:fontRef>
+        </p:style>
+        <p:txBody>
+          <a:bodyPr rtlCol="0" anchor="ctr"/>
+          <a:lstStyle/>
+          <a:p>
+            <a:pPr algn="ctr"/>
+            <a:r>
+              <a:rPr lang="en-US" altLang="zh-CN" dirty="0" smtClean="0">
+                <a:solidFill>
+                  <a:schemeClr val="tx1"/>
+                </a:solidFill>
+                <a:latin typeface="Times New Roman" panose="02020603050405020304" pitchFamily="18" charset="0"/>
+                <a:cs typeface="Times New Roman" panose="02020603050405020304" pitchFamily="18" charset="0"/>
+              </a:rPr>
+              <a:t>watch</a:t>
+            </a:r>
+            <a:endParaRPr lang="en-US" altLang="zh-CN" dirty="0" smtClean="0">
+              <a:solidFill>
+                <a:schemeClr val="tx1"/>
+              </a:solidFill>
+              <a:latin typeface="Times New Roman" panose="02020603050405020304" pitchFamily="18" charset="0"/>
+              <a:cs typeface="Times New Roman" panose="02020603050405020304" pitchFamily="18" charset="0"/>
+            </a:endParaRPr>
+          </a:p>
+        </p:txBody>
+      </p:sp>
+      <p:sp>
+        <p:nvSpPr>
+          <p:cNvPr id="77" name="矩形 76"/>
+          <p:cNvSpPr/>
+          <p:nvPr/>
+        </p:nvSpPr>
+        <p:spPr>
+          <a:xfrm>
+            <a:off x="4813781" y="3921300"/>
+            <a:ext cx="1562293" cy="327700"/>
+          </a:xfrm>
+          <a:prstGeom prst="rect">
+            <a:avLst/>
+          </a:prstGeom>
+          <a:solidFill>
+            <a:schemeClr val="bg1"/>
+          </a:solidFill>
+          <a:ln w="28575">
+            <a:noFill/>
+          </a:ln>
+        </p:spPr>
+        <p:style>
+          <a:lnRef idx="2">
+            <a:schemeClr val="accent1">
+              <a:shade val="50000"/>
+            </a:schemeClr>
+          </a:lnRef>
+          <a:fillRef idx="1">
+            <a:schemeClr val="accent1"/>
+          </a:fillRef>
+          <a:effectRef idx="0">
+            <a:schemeClr val="accent1"/>
+          </a:effectRef>
+          <a:fontRef idx="minor">
+            <a:schemeClr val="lt1"/>
+          </a:fontRef>
+        </p:style>
+        <p:txBody>
+          <a:bodyPr rtlCol="0" anchor="ctr"/>
+          <a:lstStyle/>
+          <a:p>
+            <a:pPr algn="ctr"/>
+            <a:r>
+              <a:rPr lang="en-US" altLang="zh-CN" dirty="0" smtClean="0">
+                <a:solidFill>
+                  <a:schemeClr val="tx1"/>
+                </a:solidFill>
+                <a:latin typeface="Times New Roman" panose="02020603050405020304" pitchFamily="18" charset="0"/>
+                <a:cs typeface="Times New Roman" panose="02020603050405020304" pitchFamily="18" charset="0"/>
+              </a:rPr>
+              <a:t>update</a:t>
+            </a:r>
+            <a:endParaRPr lang="en-US" altLang="zh-CN" dirty="0" smtClean="0">
+              <a:solidFill>
+                <a:schemeClr val="tx1"/>
+              </a:solidFill>
+              <a:latin typeface="Times New Roman" panose="02020603050405020304" pitchFamily="18" charset="0"/>
+              <a:cs typeface="Times New Roman" panose="02020603050405020304" pitchFamily="18" charset="0"/>
+            </a:endParaRPr>
+          </a:p>
+        </p:txBody>
+      </p:sp>
+      <p:sp>
+        <p:nvSpPr>
+          <p:cNvPr id="78" name="矩形 77"/>
+          <p:cNvSpPr/>
+          <p:nvPr/>
+        </p:nvSpPr>
+        <p:spPr>
+          <a:xfrm>
+            <a:off x="6931435" y="5013323"/>
+            <a:ext cx="1562293" cy="327700"/>
+          </a:xfrm>
+          <a:prstGeom prst="rect">
+            <a:avLst/>
+          </a:prstGeom>
+          <a:noFill/>
+          <a:ln w="28575">
+            <a:noFill/>
+          </a:ln>
+        </p:spPr>
+        <p:style>
+          <a:lnRef idx="2">
+            <a:schemeClr val="accent1">
+              <a:shade val="50000"/>
+            </a:schemeClr>
+          </a:lnRef>
+          <a:fillRef idx="1">
+            <a:schemeClr val="accent1"/>
+          </a:fillRef>
+          <a:effectRef idx="0">
+            <a:schemeClr val="accent1"/>
+          </a:effectRef>
+          <a:fontRef idx="minor">
+            <a:schemeClr val="lt1"/>
+          </a:fontRef>
+        </p:style>
+        <p:txBody>
+          <a:bodyPr rtlCol="0" anchor="ctr"/>
+          <a:lstStyle/>
+          <a:p>
+            <a:pPr algn="ctr"/>
+            <a:r>
+              <a:rPr lang="en-US" altLang="zh-CN" dirty="0">
+                <a:solidFill>
+                  <a:schemeClr val="tx1"/>
+                </a:solidFill>
+                <a:latin typeface="Times New Roman" panose="02020603050405020304" pitchFamily="18" charset="0"/>
+                <a:cs typeface="Times New Roman" panose="02020603050405020304" pitchFamily="18" charset="0"/>
+              </a:rPr>
+              <a:t>i</a:t>
+            </a:r>
+            <a:r>
+              <a:rPr lang="en-US" altLang="zh-CN" dirty="0" smtClean="0">
+                <a:solidFill>
+                  <a:schemeClr val="tx1"/>
+                </a:solidFill>
+                <a:latin typeface="Times New Roman" panose="02020603050405020304" pitchFamily="18" charset="0"/>
+                <a:cs typeface="Times New Roman" panose="02020603050405020304" pitchFamily="18" charset="0"/>
+              </a:rPr>
+              <a:t>nvoke and</a:t>
+            </a:r>
+          </a:p>
+          <a:p>
+            <a:pPr algn="ctr"/>
+            <a:r>
+              <a:rPr lang="en-US" altLang="zh-CN" dirty="0" smtClean="0">
+                <a:solidFill>
+                  <a:schemeClr val="tx1"/>
+                </a:solidFill>
+                <a:latin typeface="Times New Roman" panose="02020603050405020304" pitchFamily="18" charset="0"/>
+                <a:cs typeface="Times New Roman" panose="02020603050405020304" pitchFamily="18" charset="0"/>
+              </a:rPr>
+              <a:t>callback</a:t>
+            </a:r>
+            <a:endParaRPr lang="en-US" altLang="zh-CN" dirty="0" smtClean="0">
+              <a:solidFill>
+                <a:schemeClr val="tx1"/>
+              </a:solidFill>
+              <a:latin typeface="Times New Roman" panose="02020603050405020304" pitchFamily="18" charset="0"/>
+              <a:cs typeface="Times New Roman" panose="02020603050405020304" pitchFamily="18" charset="0"/>
+            </a:endParaRPr>
+          </a:p>
+        </p:txBody>
+      </p:sp>
+    </p:spTree>
+    <p:extLst>
+      <p:ext uri="{BB962C8B-B14F-4D97-AF65-F5344CB8AC3E}">
+        <p14:creationId xmlns:p14="http://schemas.microsoft.com/office/powerpoint/2010/main" val="585037233"/>
+      </p:ext>
+    </p:extLst>
+  </p:cSld>
+  <p:clrMapOvr>
+    <a:masterClrMapping/>
+  </p:clrMapOvr>
+  <p:timing>
+    <p:tnLst>
+      <p:par>
+        <p:cTn id="1" dur="indefinite" restart="never" nodeType="tmRoot"/>
+      </p:par>
+    </p:tnLst>
+  </p:timing>
+</p:sld>
+</file>
+
+<file path=ppt/slides/slide3.xml><?xml version="1.0" encoding="utf-8"?>
+<p:sld xmlns:a="http://schemas.openxmlformats.org/drawingml/2006/main" xmlns:r="http://schemas.openxmlformats.org/officeDocument/2006/relationships" xmlns:p="http://schemas.openxmlformats.org/presentationml/2006/main">
+  <p:cSld>
+    <p:spTree>
+      <p:nvGrpSpPr>
+        <p:cNvPr id="1" name=""/>
+        <p:cNvGrpSpPr/>
+        <p:nvPr/>
+      </p:nvGrpSpPr>
+      <p:grpSpPr>
+        <a:xfrm>
+          <a:off x="0" y="0"/>
+          <a:ext cx="0" cy="0"/>
+          <a:chOff x="0" y="0"/>
+          <a:chExt cx="0" cy="0"/>
+        </a:xfrm>
+      </p:grpSpPr>
+      <p:sp>
+        <p:nvSpPr>
+          <p:cNvPr id="91" name="标题 1"/>
+          <p:cNvSpPr>
+            <a:spLocks noGrp="1"/>
+          </p:cNvSpPr>
+          <p:nvPr>
+            <p:ph type="title"/>
+          </p:nvPr>
+        </p:nvSpPr>
+        <p:spPr>
+          <a:xfrm>
+            <a:off x="574892" y="164983"/>
+            <a:ext cx="11579008" cy="930315"/>
+          </a:xfrm>
+        </p:spPr>
+        <p:txBody>
+          <a:bodyPr>
+            <a:noAutofit/>
+          </a:bodyPr>
+          <a:lstStyle/>
+          <a:p>
+            <a:r>
+              <a:rPr lang="en-US" altLang="zh-CN" sz="3200" dirty="0" smtClean="0">
+                <a:latin typeface="Times New Roman" panose="02020603050405020304" pitchFamily="18" charset="0"/>
+                <a:ea typeface="隶书" pitchFamily="49" charset="-122"/>
+                <a:cs typeface="Times New Roman" panose="02020603050405020304" pitchFamily="18" charset="0"/>
+                <a:sym typeface="+mn-ea"/>
+              </a:rPr>
+              <a:t>Architecture</a:t>
+            </a:r>
+            <a:endParaRPr lang="en-US" altLang="zh-CN" sz="3200" dirty="0">
+              <a:latin typeface="Times New Roman" panose="02020603050405020304" pitchFamily="18" charset="0"/>
+              <a:ea typeface="隶书" pitchFamily="49" charset="-122"/>
+              <a:cs typeface="Times New Roman" panose="02020603050405020304" pitchFamily="18" charset="0"/>
+              <a:sym typeface="+mn-ea"/>
+            </a:endParaRPr>
+          </a:p>
+        </p:txBody>
+      </p:sp>
+      <p:sp>
+        <p:nvSpPr>
+          <p:cNvPr id="70" name="矩形 69"/>
+          <p:cNvSpPr/>
+          <p:nvPr/>
+        </p:nvSpPr>
+        <p:spPr>
+          <a:xfrm>
+            <a:off x="6627678" y="2406315"/>
+            <a:ext cx="2169813" cy="567337"/>
+          </a:xfrm>
+          <a:prstGeom prst="rect">
+            <a:avLst/>
+          </a:prstGeom>
+          <a:solidFill>
+            <a:schemeClr val="bg1"/>
+          </a:solidFill>
+          <a:ln w="28575">
+            <a:solidFill>
+              <a:schemeClr val="tx1"/>
+            </a:solidFill>
+          </a:ln>
+        </p:spPr>
+        <p:style>
+          <a:lnRef idx="2">
+            <a:schemeClr val="accent1">
+              <a:shade val="50000"/>
+            </a:schemeClr>
+          </a:lnRef>
+          <a:fillRef idx="1">
+            <a:schemeClr val="accent1"/>
+          </a:fillRef>
+          <a:effectRef idx="0">
+            <a:schemeClr val="accent1"/>
+          </a:effectRef>
+          <a:fontRef idx="minor">
+            <a:schemeClr val="lt1"/>
+          </a:fontRef>
+        </p:style>
+        <p:txBody>
+          <a:bodyPr rtlCol="0" anchor="ctr"/>
+          <a:lstStyle/>
+          <a:p>
+            <a:pPr algn="ctr"/>
+            <a:r>
+              <a:rPr lang="en-US" altLang="zh-CN" dirty="0" err="1" smtClean="0">
+                <a:solidFill>
+                  <a:schemeClr val="tx1"/>
+                </a:solidFill>
+                <a:latin typeface="Times New Roman" panose="02020603050405020304" pitchFamily="18" charset="0"/>
+                <a:cs typeface="Times New Roman" panose="02020603050405020304" pitchFamily="18" charset="0"/>
+              </a:rPr>
+              <a:t>Kube-apiserver</a:t>
+            </a:r>
+            <a:endParaRPr lang="en-US" altLang="zh-CN" dirty="0" smtClean="0">
+              <a:solidFill>
+                <a:schemeClr val="tx1"/>
+              </a:solidFill>
+              <a:latin typeface="Times New Roman" panose="02020603050405020304" pitchFamily="18" charset="0"/>
+              <a:cs typeface="Times New Roman" panose="02020603050405020304" pitchFamily="18" charset="0"/>
+            </a:endParaRPr>
+          </a:p>
+        </p:txBody>
+      </p:sp>
+      <p:sp>
+        <p:nvSpPr>
+          <p:cNvPr id="71" name="矩形 70"/>
+          <p:cNvSpPr/>
+          <p:nvPr/>
+        </p:nvSpPr>
+        <p:spPr>
+          <a:xfrm>
+            <a:off x="6627677" y="4309683"/>
+            <a:ext cx="2169814" cy="552679"/>
+          </a:xfrm>
+          <a:prstGeom prst="rect">
+            <a:avLst/>
+          </a:prstGeom>
+          <a:solidFill>
+            <a:schemeClr val="bg1"/>
+          </a:solidFill>
+          <a:ln w="28575">
+            <a:solidFill>
+              <a:schemeClr val="tx1"/>
+            </a:solidFill>
+          </a:ln>
+        </p:spPr>
+        <p:style>
+          <a:lnRef idx="2">
+            <a:schemeClr val="accent1">
+              <a:shade val="50000"/>
+            </a:schemeClr>
+          </a:lnRef>
+          <a:fillRef idx="1">
+            <a:schemeClr val="accent1"/>
+          </a:fillRef>
+          <a:effectRef idx="0">
+            <a:schemeClr val="accent1"/>
+          </a:effectRef>
+          <a:fontRef idx="minor">
+            <a:schemeClr val="lt1"/>
+          </a:fontRef>
+        </p:style>
+        <p:txBody>
+          <a:bodyPr rtlCol="0" anchor="ctr"/>
+          <a:lstStyle/>
+          <a:p>
+            <a:pPr algn="ctr"/>
+            <a:r>
+              <a:rPr lang="en-US" altLang="zh-CN" dirty="0" err="1" smtClean="0">
+                <a:solidFill>
+                  <a:schemeClr val="tx1"/>
+                </a:solidFill>
+                <a:latin typeface="Times New Roman" panose="02020603050405020304" pitchFamily="18" charset="0"/>
+                <a:cs typeface="Times New Roman" panose="02020603050405020304" pitchFamily="18" charset="0"/>
+              </a:rPr>
+              <a:t>virtctl</a:t>
+            </a:r>
+            <a:endParaRPr lang="en-US" altLang="zh-CN" dirty="0" smtClean="0">
+              <a:solidFill>
+                <a:schemeClr val="tx1"/>
+              </a:solidFill>
+              <a:latin typeface="Times New Roman" panose="02020603050405020304" pitchFamily="18" charset="0"/>
+              <a:cs typeface="Times New Roman" panose="02020603050405020304" pitchFamily="18" charset="0"/>
+            </a:endParaRPr>
+          </a:p>
+        </p:txBody>
+      </p:sp>
+      <p:sp>
+        <p:nvSpPr>
+          <p:cNvPr id="72" name="矩形 71"/>
+          <p:cNvSpPr/>
+          <p:nvPr/>
+        </p:nvSpPr>
+        <p:spPr>
+          <a:xfrm>
+            <a:off x="6627675" y="5677903"/>
+            <a:ext cx="2169816" cy="562999"/>
+          </a:xfrm>
+          <a:prstGeom prst="rect">
+            <a:avLst/>
+          </a:prstGeom>
+          <a:solidFill>
+            <a:schemeClr val="bg1"/>
+          </a:solidFill>
+          <a:ln w="28575">
+            <a:solidFill>
+              <a:schemeClr val="tx1"/>
+            </a:solidFill>
+          </a:ln>
+        </p:spPr>
+        <p:style>
+          <a:lnRef idx="2">
+            <a:schemeClr val="accent1">
+              <a:shade val="50000"/>
+            </a:schemeClr>
+          </a:lnRef>
+          <a:fillRef idx="1">
+            <a:schemeClr val="accent1"/>
+          </a:fillRef>
+          <a:effectRef idx="0">
+            <a:schemeClr val="accent1"/>
+          </a:effectRef>
+          <a:fontRef idx="minor">
+            <a:schemeClr val="lt1"/>
+          </a:fontRef>
+        </p:style>
+        <p:txBody>
+          <a:bodyPr rtlCol="0" anchor="ctr"/>
+          <a:lstStyle/>
+          <a:p>
+            <a:pPr algn="ctr"/>
+            <a:r>
+              <a:rPr lang="en-US" altLang="zh-CN" dirty="0" err="1" smtClean="0">
+                <a:solidFill>
+                  <a:schemeClr val="tx1"/>
+                </a:solidFill>
+                <a:latin typeface="Times New Roman" panose="02020603050405020304" pitchFamily="18" charset="0"/>
+                <a:cs typeface="Times New Roman" panose="02020603050405020304" pitchFamily="18" charset="0"/>
+              </a:rPr>
+              <a:t>libvirt</a:t>
+            </a:r>
+            <a:endParaRPr lang="en-US" altLang="zh-CN" dirty="0" smtClean="0">
+              <a:solidFill>
+                <a:schemeClr val="tx1"/>
+              </a:solidFill>
+              <a:latin typeface="Times New Roman" panose="02020603050405020304" pitchFamily="18" charset="0"/>
+              <a:cs typeface="Times New Roman" panose="02020603050405020304" pitchFamily="18" charset="0"/>
+            </a:endParaRPr>
+          </a:p>
+        </p:txBody>
+      </p:sp>
+      <p:pic>
+        <p:nvPicPr>
+          <p:cNvPr id="6" name="图片 5"/>
+          <p:cNvPicPr>
+            <a:picLocks noChangeAspect="1"/>
+          </p:cNvPicPr>
+          <p:nvPr/>
+        </p:nvPicPr>
+        <p:blipFill>
+          <a:blip r:embed="rId3"/>
+          <a:stretch>
+            <a:fillRect/>
+          </a:stretch>
+        </p:blipFill>
+        <p:spPr>
+          <a:xfrm>
+            <a:off x="1346584" y="4309683"/>
+            <a:ext cx="3522671" cy="1734981"/>
+          </a:xfrm>
+          <a:prstGeom prst="rect">
+            <a:avLst/>
+          </a:prstGeom>
+        </p:spPr>
+      </p:pic>
+      <p:sp>
+        <p:nvSpPr>
+          <p:cNvPr id="7" name="右箭头 6"/>
+          <p:cNvSpPr/>
+          <p:nvPr/>
+        </p:nvSpPr>
+        <p:spPr>
+          <a:xfrm>
+            <a:off x="5277295" y="2290259"/>
+            <a:ext cx="635267" cy="683393"/>
+          </a:xfrm>
+          <a:prstGeom prst="rightArrow">
+            <a:avLst/>
+          </a:prstGeom>
+          <a:solidFill>
+            <a:schemeClr val="bg1"/>
+          </a:solidFill>
+          <a:ln>
+            <a:solidFill>
+              <a:schemeClr val="tx1"/>
+            </a:solidFill>
+          </a:ln>
+        </p:spPr>
+        <p:style>
+          <a:lnRef idx="2">
+            <a:schemeClr val="accent1">
+              <a:shade val="50000"/>
+            </a:schemeClr>
+          </a:lnRef>
+          <a:fillRef idx="1">
+            <a:schemeClr val="accent1"/>
+          </a:fillRef>
+          <a:effectRef idx="0">
+            <a:schemeClr val="accent1"/>
+          </a:effectRef>
+          <a:fontRef idx="minor">
+            <a:schemeClr val="lt1"/>
+          </a:fontRef>
+        </p:style>
+        <p:txBody>
+          <a:bodyPr rtlCol="0" anchor="ctr"/>
+          <a:lstStyle/>
+          <a:p>
+            <a:pPr algn="ctr"/>
+            <a:endParaRPr lang="zh-CN" altLang="en-US"/>
+          </a:p>
+        </p:txBody>
+      </p:sp>
+      <p:sp>
+        <p:nvSpPr>
+          <p:cNvPr id="73" name="右箭头 72"/>
+          <p:cNvSpPr/>
+          <p:nvPr/>
+        </p:nvSpPr>
+        <p:spPr>
+          <a:xfrm rot="5400000" flipH="1">
+            <a:off x="7004460" y="3342705"/>
+            <a:ext cx="569216" cy="683393"/>
+          </a:xfrm>
+          <a:prstGeom prst="rightArrow">
+            <a:avLst/>
+          </a:prstGeom>
+          <a:solidFill>
+            <a:schemeClr val="bg1"/>
+          </a:solidFill>
+          <a:ln>
+            <a:solidFill>
+              <a:schemeClr val="tx1"/>
+            </a:solidFill>
+          </a:ln>
+        </p:spPr>
+        <p:style>
+          <a:lnRef idx="2">
+            <a:schemeClr val="accent1">
+              <a:shade val="50000"/>
+            </a:schemeClr>
+          </a:lnRef>
+          <a:fillRef idx="1">
+            <a:schemeClr val="accent1"/>
+          </a:fillRef>
+          <a:effectRef idx="0">
+            <a:schemeClr val="accent1"/>
+          </a:effectRef>
+          <a:fontRef idx="minor">
+            <a:schemeClr val="lt1"/>
+          </a:fontRef>
+        </p:style>
+        <p:txBody>
+          <a:bodyPr rtlCol="0" anchor="ctr"/>
+          <a:lstStyle/>
+          <a:p>
+            <a:pPr algn="ctr"/>
+            <a:endParaRPr lang="zh-CN" altLang="en-US"/>
+          </a:p>
+        </p:txBody>
+      </p:sp>
+      <p:sp>
+        <p:nvSpPr>
+          <p:cNvPr id="8" name="下弧形箭头 7"/>
+          <p:cNvSpPr/>
+          <p:nvPr/>
+        </p:nvSpPr>
+        <p:spPr>
+          <a:xfrm flipH="1">
+            <a:off x="6806435" y="4862362"/>
+            <a:ext cx="1812295" cy="736857"/>
+          </a:xfrm>
+          <a:prstGeom prst="curvedUpArrow">
+            <a:avLst/>
+          </a:prstGeom>
+          <a:solidFill>
+            <a:schemeClr val="bg1"/>
+          </a:solidFill>
+          <a:ln>
+            <a:solidFill>
+              <a:schemeClr val="tx1"/>
+            </a:solidFill>
+          </a:ln>
+        </p:spPr>
+        <p:style>
+          <a:lnRef idx="2">
+            <a:schemeClr val="accent1">
+              <a:shade val="50000"/>
+            </a:schemeClr>
+          </a:lnRef>
+          <a:fillRef idx="1">
+            <a:schemeClr val="accent1"/>
+          </a:fillRef>
+          <a:effectRef idx="0">
+            <a:schemeClr val="accent1"/>
+          </a:effectRef>
+          <a:fontRef idx="minor">
+            <a:schemeClr val="lt1"/>
+          </a:fontRef>
+        </p:style>
+        <p:txBody>
+          <a:bodyPr rtlCol="0" anchor="ctr"/>
+          <a:lstStyle/>
+          <a:p>
+            <a:pPr algn="ctr"/>
+            <a:endParaRPr lang="zh-CN" altLang="en-US"/>
+          </a:p>
+        </p:txBody>
+      </p:sp>
+      <p:sp>
+        <p:nvSpPr>
+          <p:cNvPr id="74" name="右箭头 73"/>
+          <p:cNvSpPr/>
+          <p:nvPr/>
+        </p:nvSpPr>
+        <p:spPr>
+          <a:xfrm flipH="1">
+            <a:off x="5341454" y="4244325"/>
+            <a:ext cx="635267" cy="683393"/>
+          </a:xfrm>
+          <a:prstGeom prst="rightArrow">
+            <a:avLst/>
+          </a:prstGeom>
+          <a:solidFill>
+            <a:schemeClr val="bg1"/>
+          </a:solidFill>
+          <a:ln>
+            <a:solidFill>
+              <a:schemeClr val="tx1"/>
+            </a:solidFill>
+          </a:ln>
+        </p:spPr>
+        <p:style>
+          <a:lnRef idx="2">
+            <a:schemeClr val="accent1">
+              <a:shade val="50000"/>
+            </a:schemeClr>
+          </a:lnRef>
+          <a:fillRef idx="1">
+            <a:schemeClr val="accent1"/>
+          </a:fillRef>
+          <a:effectRef idx="0">
+            <a:schemeClr val="accent1"/>
+          </a:effectRef>
+          <a:fontRef idx="minor">
+            <a:schemeClr val="lt1"/>
+          </a:fontRef>
+        </p:style>
+        <p:txBody>
+          <a:bodyPr rtlCol="0" anchor="ctr"/>
+          <a:lstStyle/>
+          <a:p>
+            <a:pPr algn="ctr"/>
+            <a:endParaRPr lang="zh-CN" altLang="en-US"/>
+          </a:p>
+        </p:txBody>
+      </p:sp>
+      <p:sp>
+        <p:nvSpPr>
+          <p:cNvPr id="75" name="矩形 74"/>
+          <p:cNvSpPr/>
+          <p:nvPr/>
+        </p:nvSpPr>
+        <p:spPr>
+          <a:xfrm>
+            <a:off x="4813781" y="1942191"/>
+            <a:ext cx="1562293" cy="327700"/>
+          </a:xfrm>
+          <a:prstGeom prst="rect">
+            <a:avLst/>
+          </a:prstGeom>
+          <a:solidFill>
+            <a:schemeClr val="bg1"/>
+          </a:solidFill>
+          <a:ln w="28575">
+            <a:noFill/>
+          </a:ln>
+        </p:spPr>
+        <p:style>
+          <a:lnRef idx="2">
+            <a:schemeClr val="accent1">
+              <a:shade val="50000"/>
+            </a:schemeClr>
+          </a:lnRef>
+          <a:fillRef idx="1">
+            <a:schemeClr val="accent1"/>
+          </a:fillRef>
+          <a:effectRef idx="0">
+            <a:schemeClr val="accent1"/>
+          </a:effectRef>
+          <a:fontRef idx="minor">
+            <a:schemeClr val="lt1"/>
+          </a:fontRef>
+        </p:style>
+        <p:txBody>
+          <a:bodyPr rtlCol="0" anchor="ctr"/>
+          <a:lstStyle/>
+          <a:p>
+            <a:pPr algn="ctr"/>
+            <a:r>
+              <a:rPr lang="en-US" altLang="zh-CN" dirty="0" smtClean="0">
+                <a:solidFill>
+                  <a:schemeClr val="tx1"/>
+                </a:solidFill>
+                <a:latin typeface="Times New Roman" panose="02020603050405020304" pitchFamily="18" charset="0"/>
+                <a:cs typeface="Times New Roman" panose="02020603050405020304" pitchFamily="18" charset="0"/>
+              </a:rPr>
+              <a:t>update</a:t>
+            </a:r>
+            <a:endParaRPr lang="en-US" altLang="zh-CN" dirty="0" smtClean="0">
+              <a:solidFill>
+                <a:schemeClr val="tx1"/>
+              </a:solidFill>
+              <a:latin typeface="Times New Roman" panose="02020603050405020304" pitchFamily="18" charset="0"/>
+              <a:cs typeface="Times New Roman" panose="02020603050405020304" pitchFamily="18" charset="0"/>
+            </a:endParaRPr>
+          </a:p>
+        </p:txBody>
+      </p:sp>
+      <p:sp>
+        <p:nvSpPr>
+          <p:cNvPr id="76" name="矩形 75"/>
+          <p:cNvSpPr/>
+          <p:nvPr/>
+        </p:nvSpPr>
+        <p:spPr>
+          <a:xfrm>
+            <a:off x="7289069" y="3444485"/>
+            <a:ext cx="1562293" cy="327700"/>
+          </a:xfrm>
+          <a:prstGeom prst="rect">
+            <a:avLst/>
+          </a:prstGeom>
+          <a:noFill/>
+          <a:ln w="28575">
+            <a:noFill/>
+          </a:ln>
+        </p:spPr>
+        <p:style>
+          <a:lnRef idx="2">
+            <a:schemeClr val="accent1">
+              <a:shade val="50000"/>
+            </a:schemeClr>
+          </a:lnRef>
+          <a:fillRef idx="1">
+            <a:schemeClr val="accent1"/>
+          </a:fillRef>
+          <a:effectRef idx="0">
+            <a:schemeClr val="accent1"/>
+          </a:effectRef>
+          <a:fontRef idx="minor">
+            <a:schemeClr val="lt1"/>
+          </a:fontRef>
+        </p:style>
+        <p:txBody>
+          <a:bodyPr rtlCol="0" anchor="ctr"/>
+          <a:lstStyle/>
+          <a:p>
+            <a:pPr algn="ctr"/>
+            <a:r>
+              <a:rPr lang="en-US" altLang="zh-CN" dirty="0" smtClean="0">
+                <a:solidFill>
+                  <a:schemeClr val="tx1"/>
+                </a:solidFill>
+                <a:latin typeface="Times New Roman" panose="02020603050405020304" pitchFamily="18" charset="0"/>
+                <a:cs typeface="Times New Roman" panose="02020603050405020304" pitchFamily="18" charset="0"/>
+              </a:rPr>
+              <a:t>watch</a:t>
+            </a:r>
+            <a:endParaRPr lang="en-US" altLang="zh-CN" dirty="0" smtClean="0">
+              <a:solidFill>
+                <a:schemeClr val="tx1"/>
+              </a:solidFill>
+              <a:latin typeface="Times New Roman" panose="02020603050405020304" pitchFamily="18" charset="0"/>
+              <a:cs typeface="Times New Roman" panose="02020603050405020304" pitchFamily="18" charset="0"/>
+            </a:endParaRPr>
+          </a:p>
+        </p:txBody>
+      </p:sp>
+      <p:sp>
+        <p:nvSpPr>
+          <p:cNvPr id="77" name="矩形 76"/>
+          <p:cNvSpPr/>
+          <p:nvPr/>
+        </p:nvSpPr>
+        <p:spPr>
+          <a:xfrm>
+            <a:off x="4813781" y="3921300"/>
+            <a:ext cx="1562293" cy="327700"/>
+          </a:xfrm>
+          <a:prstGeom prst="rect">
+            <a:avLst/>
+          </a:prstGeom>
+          <a:solidFill>
+            <a:schemeClr val="bg1"/>
+          </a:solidFill>
+          <a:ln w="28575">
+            <a:noFill/>
+          </a:ln>
+        </p:spPr>
+        <p:style>
+          <a:lnRef idx="2">
+            <a:schemeClr val="accent1">
+              <a:shade val="50000"/>
+            </a:schemeClr>
+          </a:lnRef>
+          <a:fillRef idx="1">
+            <a:schemeClr val="accent1"/>
+          </a:fillRef>
+          <a:effectRef idx="0">
+            <a:schemeClr val="accent1"/>
+          </a:effectRef>
+          <a:fontRef idx="minor">
+            <a:schemeClr val="lt1"/>
+          </a:fontRef>
+        </p:style>
+        <p:txBody>
+          <a:bodyPr rtlCol="0" anchor="ctr"/>
+          <a:lstStyle/>
+          <a:p>
+            <a:pPr algn="ctr"/>
+            <a:r>
+              <a:rPr lang="en-US" altLang="zh-CN" dirty="0" smtClean="0">
+                <a:solidFill>
+                  <a:schemeClr val="tx1"/>
+                </a:solidFill>
+                <a:latin typeface="Times New Roman" panose="02020603050405020304" pitchFamily="18" charset="0"/>
+                <a:cs typeface="Times New Roman" panose="02020603050405020304" pitchFamily="18" charset="0"/>
+              </a:rPr>
+              <a:t>update</a:t>
+            </a:r>
+            <a:endParaRPr lang="en-US" altLang="zh-CN" dirty="0" smtClean="0">
+              <a:solidFill>
+                <a:schemeClr val="tx1"/>
+              </a:solidFill>
+              <a:latin typeface="Times New Roman" panose="02020603050405020304" pitchFamily="18" charset="0"/>
+              <a:cs typeface="Times New Roman" panose="02020603050405020304" pitchFamily="18" charset="0"/>
+            </a:endParaRPr>
+          </a:p>
+        </p:txBody>
+      </p:sp>
+      <p:sp>
+        <p:nvSpPr>
+          <p:cNvPr id="78" name="矩形 77"/>
+          <p:cNvSpPr/>
+          <p:nvPr/>
+        </p:nvSpPr>
+        <p:spPr>
+          <a:xfrm>
+            <a:off x="6931435" y="5013323"/>
+            <a:ext cx="1562293" cy="327700"/>
+          </a:xfrm>
+          <a:prstGeom prst="rect">
+            <a:avLst/>
+          </a:prstGeom>
+          <a:noFill/>
+          <a:ln w="28575">
+            <a:noFill/>
+          </a:ln>
+        </p:spPr>
+        <p:style>
+          <a:lnRef idx="2">
+            <a:schemeClr val="accent1">
+              <a:shade val="50000"/>
+            </a:schemeClr>
+          </a:lnRef>
+          <a:fillRef idx="1">
+            <a:schemeClr val="accent1"/>
+          </a:fillRef>
+          <a:effectRef idx="0">
+            <a:schemeClr val="accent1"/>
+          </a:effectRef>
+          <a:fontRef idx="minor">
+            <a:schemeClr val="lt1"/>
+          </a:fontRef>
+        </p:style>
+        <p:txBody>
+          <a:bodyPr rtlCol="0" anchor="ctr"/>
+          <a:lstStyle/>
+          <a:p>
+            <a:pPr algn="ctr"/>
+            <a:r>
+              <a:rPr lang="en-US" altLang="zh-CN" dirty="0">
+                <a:solidFill>
+                  <a:schemeClr val="tx1"/>
+                </a:solidFill>
+                <a:latin typeface="Times New Roman" panose="02020603050405020304" pitchFamily="18" charset="0"/>
+                <a:cs typeface="Times New Roman" panose="02020603050405020304" pitchFamily="18" charset="0"/>
+              </a:rPr>
+              <a:t>i</a:t>
+            </a:r>
+            <a:r>
+              <a:rPr lang="en-US" altLang="zh-CN" dirty="0" smtClean="0">
+                <a:solidFill>
+                  <a:schemeClr val="tx1"/>
+                </a:solidFill>
+                <a:latin typeface="Times New Roman" panose="02020603050405020304" pitchFamily="18" charset="0"/>
+                <a:cs typeface="Times New Roman" panose="02020603050405020304" pitchFamily="18" charset="0"/>
+              </a:rPr>
+              <a:t>nvoke and</a:t>
+            </a:r>
+          </a:p>
+          <a:p>
+            <a:pPr algn="ctr"/>
+            <a:r>
+              <a:rPr lang="en-US" altLang="zh-CN" dirty="0" smtClean="0">
+                <a:solidFill>
+                  <a:schemeClr val="tx1"/>
+                </a:solidFill>
+                <a:latin typeface="Times New Roman" panose="02020603050405020304" pitchFamily="18" charset="0"/>
+                <a:cs typeface="Times New Roman" panose="02020603050405020304" pitchFamily="18" charset="0"/>
+              </a:rPr>
+              <a:t>callback</a:t>
+            </a:r>
+            <a:endParaRPr lang="en-US" altLang="zh-CN" dirty="0" smtClean="0">
+              <a:solidFill>
+                <a:schemeClr val="tx1"/>
+              </a:solidFill>
+              <a:latin typeface="Times New Roman" panose="02020603050405020304" pitchFamily="18" charset="0"/>
+              <a:cs typeface="Times New Roman" panose="02020603050405020304" pitchFamily="18" charset="0"/>
+            </a:endParaRPr>
+          </a:p>
+        </p:txBody>
+      </p:sp>
+      <p:pic>
+        <p:nvPicPr>
+          <p:cNvPr id="16" name="图片 15"/>
+          <p:cNvPicPr>
+            <a:picLocks noChangeAspect="1"/>
+          </p:cNvPicPr>
+          <p:nvPr/>
+        </p:nvPicPr>
+        <p:blipFill>
+          <a:blip r:embed="rId4"/>
+          <a:stretch>
+            <a:fillRect/>
+          </a:stretch>
+        </p:blipFill>
+        <p:spPr>
+          <a:xfrm>
+            <a:off x="1278331" y="2017847"/>
+            <a:ext cx="3375799" cy="1590488"/>
+          </a:xfrm>
+          <a:prstGeom prst="rect">
+            <a:avLst/>
+          </a:prstGeom>
+        </p:spPr>
+      </p:pic>
+    </p:spTree>
+    <p:extLst>
+      <p:ext uri="{BB962C8B-B14F-4D97-AF65-F5344CB8AC3E}">
+        <p14:creationId xmlns:p14="http://schemas.microsoft.com/office/powerpoint/2010/main" val="1422144586"/>
+      </p:ext>
+    </p:extLst>
+  </p:cSld>
+  <p:clrMapOvr>
+    <a:masterClrMapping/>
+  </p:clrMapOvr>
+  <p:timing>
+    <p:tnLst>
+      <p:par>
+        <p:cTn id="1" dur="indefinite" restart="never" nodeType="tmRoot"/>
+      </p:par>
+    </p:tnLst>
+  </p:timing>
+</p:sld>
+</file>
+
+<file path=ppt/slides/slide4.xml><?xml version="1.0" encoding="utf-8"?>
+<p:sld xmlns:a="http://schemas.openxmlformats.org/drawingml/2006/main" xmlns:r="http://schemas.openxmlformats.org/officeDocument/2006/relationships" xmlns:p="http://schemas.openxmlformats.org/presentationml/2006/main">
+  <p:cSld>
+    <p:spTree>
+      <p:nvGrpSpPr>
+        <p:cNvPr id="1" name=""/>
+        <p:cNvGrpSpPr/>
+        <p:nvPr/>
+      </p:nvGrpSpPr>
+      <p:grpSpPr>
+        <a:xfrm>
+          <a:off x="0" y="0"/>
+          <a:ext cx="0" cy="0"/>
+          <a:chOff x="0" y="0"/>
+          <a:chExt cx="0" cy="0"/>
+        </a:xfrm>
+      </p:grpSpPr>
+      <p:sp>
+        <p:nvSpPr>
+          <p:cNvPr id="91" name="标题 1"/>
+          <p:cNvSpPr>
+            <a:spLocks noGrp="1"/>
+          </p:cNvSpPr>
+          <p:nvPr>
+            <p:ph type="title"/>
+          </p:nvPr>
+        </p:nvSpPr>
+        <p:spPr>
+          <a:xfrm>
+            <a:off x="574892" y="164983"/>
+            <a:ext cx="11579008" cy="930315"/>
+          </a:xfrm>
+        </p:spPr>
+        <p:txBody>
+          <a:bodyPr>
+            <a:noAutofit/>
+          </a:bodyPr>
+          <a:lstStyle/>
+          <a:p>
+            <a:r>
+              <a:rPr lang="en-US" altLang="zh-CN" sz="3200" dirty="0" smtClean="0">
+                <a:latin typeface="Times New Roman" panose="02020603050405020304" pitchFamily="18" charset="0"/>
+                <a:ea typeface="隶书" pitchFamily="49" charset="-122"/>
+                <a:cs typeface="Times New Roman" panose="02020603050405020304" pitchFamily="18" charset="0"/>
+                <a:sym typeface="+mn-ea"/>
+              </a:rPr>
+              <a:t>Architecture</a:t>
+            </a:r>
+            <a:endParaRPr lang="en-US" altLang="zh-CN" sz="3200" dirty="0">
+              <a:latin typeface="Times New Roman" panose="02020603050405020304" pitchFamily="18" charset="0"/>
+              <a:ea typeface="隶书" pitchFamily="49" charset="-122"/>
+              <a:cs typeface="Times New Roman" panose="02020603050405020304" pitchFamily="18" charset="0"/>
+              <a:sym typeface="+mn-ea"/>
+            </a:endParaRPr>
+          </a:p>
+        </p:txBody>
+      </p:sp>
+      <p:sp>
+        <p:nvSpPr>
+          <p:cNvPr id="70" name="矩形 69"/>
+          <p:cNvSpPr/>
+          <p:nvPr/>
+        </p:nvSpPr>
+        <p:spPr>
+          <a:xfrm>
+            <a:off x="5443771" y="1905249"/>
+            <a:ext cx="2304565" cy="1001027"/>
+          </a:xfrm>
+          <a:prstGeom prst="rect">
+            <a:avLst/>
+          </a:prstGeom>
+          <a:solidFill>
+            <a:schemeClr val="bg1"/>
+          </a:solidFill>
+          <a:ln w="28575">
+            <a:solidFill>
+              <a:schemeClr val="tx1"/>
+            </a:solidFill>
+          </a:ln>
+        </p:spPr>
+        <p:style>
+          <a:lnRef idx="2">
+            <a:schemeClr val="accent1">
+              <a:shade val="50000"/>
+            </a:schemeClr>
+          </a:lnRef>
+          <a:fillRef idx="1">
+            <a:schemeClr val="accent1"/>
+          </a:fillRef>
+          <a:effectRef idx="0">
+            <a:schemeClr val="accent1"/>
+          </a:effectRef>
+          <a:fontRef idx="minor">
+            <a:schemeClr val="lt1"/>
+          </a:fontRef>
+        </p:style>
+        <p:txBody>
+          <a:bodyPr rtlCol="0" anchor="ctr"/>
+          <a:lstStyle/>
+          <a:p>
+            <a:pPr algn="ctr"/>
+            <a:r>
+              <a:rPr lang="en-US" altLang="zh-CN" dirty="0" smtClean="0">
+                <a:solidFill>
+                  <a:schemeClr val="tx1"/>
+                </a:solidFill>
+                <a:latin typeface="Times New Roman" panose="02020603050405020304" pitchFamily="18" charset="0"/>
+                <a:cs typeface="Times New Roman" panose="02020603050405020304" pitchFamily="18" charset="0"/>
+              </a:rPr>
+              <a:t>Client</a:t>
+            </a:r>
+          </a:p>
+          <a:p>
+            <a:pPr algn="ctr"/>
+            <a:r>
+              <a:rPr lang="en-US" altLang="zh-CN" dirty="0" smtClean="0">
+                <a:solidFill>
+                  <a:schemeClr val="tx1"/>
+                </a:solidFill>
+                <a:latin typeface="Times New Roman" panose="02020603050405020304" pitchFamily="18" charset="0"/>
+                <a:cs typeface="Times New Roman" panose="02020603050405020304" pitchFamily="18" charset="0"/>
+              </a:rPr>
+              <a:t>Request</a:t>
+            </a:r>
+            <a:endParaRPr lang="zh-CN" altLang="en-US" dirty="0">
+              <a:solidFill>
+                <a:schemeClr val="tx1"/>
+              </a:solidFill>
+              <a:latin typeface="Times New Roman" panose="02020603050405020304" pitchFamily="18" charset="0"/>
+              <a:cs typeface="Times New Roman" panose="02020603050405020304" pitchFamily="18" charset="0"/>
+            </a:endParaRPr>
+          </a:p>
+        </p:txBody>
+      </p:sp>
+      <p:pic>
+        <p:nvPicPr>
+          <p:cNvPr id="2" name="图片 1"/>
+          <p:cNvPicPr>
+            <a:picLocks noChangeAspect="1"/>
+          </p:cNvPicPr>
+          <p:nvPr/>
+        </p:nvPicPr>
+        <p:blipFill>
+          <a:blip r:embed="rId3"/>
+          <a:stretch>
+            <a:fillRect/>
+          </a:stretch>
+        </p:blipFill>
+        <p:spPr>
+          <a:xfrm>
+            <a:off x="574892" y="1529864"/>
+            <a:ext cx="3857625" cy="2181225"/>
+          </a:xfrm>
+          <a:prstGeom prst="rect">
+            <a:avLst/>
+          </a:prstGeom>
+        </p:spPr>
+      </p:pic>
+    </p:spTree>
+    <p:extLst>
+      <p:ext uri="{BB962C8B-B14F-4D97-AF65-F5344CB8AC3E}">
+        <p14:creationId xmlns:p14="http://schemas.microsoft.com/office/powerpoint/2010/main" val="369563426"/>
       </p:ext>
     </p:extLst>
   </p:cSld>

--- a/docs/others/kubevirt.pptx
+++ b/docs/others/kubevirt.pptx
@@ -5,13 +5,14 @@
     <p:sldMasterId id="2147483648" r:id="rId1"/>
   </p:sldMasterIdLst>
   <p:notesMasterIdLst>
-    <p:notesMasterId r:id="rId6"/>
+    <p:notesMasterId r:id="rId7"/>
   </p:notesMasterIdLst>
   <p:sldIdLst>
     <p:sldId id="611" r:id="rId2"/>
     <p:sldId id="612" r:id="rId3"/>
     <p:sldId id="615" r:id="rId4"/>
     <p:sldId id="614" r:id="rId5"/>
+    <p:sldId id="616" r:id="rId6"/>
   </p:sldIdLst>
   <p:sldSz cx="12192000" cy="6858000"/>
   <p:notesSz cx="6858000" cy="9144000"/>
@@ -211,7 +212,7 @@
           <a:p>
             <a:fld id="{300272A7-F9A6-4ADB-B661-7DBAAAFB8538}" type="datetimeFigureOut">
               <a:rPr lang="zh-CN" altLang="en-US" smtClean="0"/>
-              <a:t>2019/6/19</a:t>
+              <a:t>2019/7/8</a:t>
             </a:fld>
             <a:endParaRPr lang="zh-CN" altLang="en-US"/>
           </a:p>
@@ -914,6 +915,115 @@
 </p:notes>
 </file>
 
+<file path=ppt/notesSlides/notesSlide5.xml><?xml version="1.0" encoding="utf-8"?>
+<p:notes xmlns:a="http://schemas.openxmlformats.org/drawingml/2006/main" xmlns:r="http://schemas.openxmlformats.org/officeDocument/2006/relationships" xmlns:p="http://schemas.openxmlformats.org/presentationml/2006/main">
+  <p:cSld>
+    <p:spTree>
+      <p:nvGrpSpPr>
+        <p:cNvPr id="1" name=""/>
+        <p:cNvGrpSpPr/>
+        <p:nvPr/>
+      </p:nvGrpSpPr>
+      <p:grpSpPr>
+        <a:xfrm>
+          <a:off x="0" y="0"/>
+          <a:ext cx="0" cy="0"/>
+          <a:chOff x="0" y="0"/>
+          <a:chExt cx="0" cy="0"/>
+        </a:xfrm>
+      </p:grpSpPr>
+      <p:sp>
+        <p:nvSpPr>
+          <p:cNvPr id="2" name="幻灯片图像占位符 1"/>
+          <p:cNvSpPr>
+            <a:spLocks noGrp="1" noRot="1" noChangeAspect="1"/>
+          </p:cNvSpPr>
+          <p:nvPr>
+            <p:ph type="sldImg"/>
+          </p:nvPr>
+        </p:nvSpPr>
+        <p:spPr/>
+      </p:sp>
+      <p:sp>
+        <p:nvSpPr>
+          <p:cNvPr id="3" name="备注占位符 2"/>
+          <p:cNvSpPr>
+            <a:spLocks noGrp="1"/>
+          </p:cNvSpPr>
+          <p:nvPr>
+            <p:ph type="body" idx="1"/>
+          </p:nvPr>
+        </p:nvSpPr>
+        <p:spPr/>
+        <p:txBody>
+          <a:bodyPr/>
+          <a:lstStyle/>
+          <a:p>
+            <a:pPr marL="0" marR="0" indent="0" algn="l" defTabSz="914400" rtl="0" eaLnBrk="1" fontAlgn="auto" latinLnBrk="0" hangingPunct="1">
+              <a:lnSpc>
+                <a:spcPct val="100000"/>
+              </a:lnSpc>
+              <a:spcBef>
+                <a:spcPts val="0"/>
+              </a:spcBef>
+              <a:spcAft>
+                <a:spcPts val="0"/>
+              </a:spcAft>
+              <a:buClrTx/>
+              <a:buSzTx/>
+              <a:buFontTx/>
+              <a:buNone/>
+              <a:tabLst/>
+              <a:defRPr/>
+            </a:pPr>
+            <a:endParaRPr lang="en-US" altLang="zh-CN" sz="1200" b="1" i="0" kern="1200" dirty="0" smtClean="0">
+              <a:solidFill>
+                <a:schemeClr val="tx1"/>
+              </a:solidFill>
+              <a:effectLst/>
+              <a:latin typeface="+mn-lt"/>
+              <a:ea typeface="+mn-ea"/>
+              <a:cs typeface="+mn-cs"/>
+            </a:endParaRPr>
+          </a:p>
+        </p:txBody>
+      </p:sp>
+      <p:sp>
+        <p:nvSpPr>
+          <p:cNvPr id="4" name="灯片编号占位符 3"/>
+          <p:cNvSpPr>
+            <a:spLocks noGrp="1"/>
+          </p:cNvSpPr>
+          <p:nvPr>
+            <p:ph type="sldNum" sz="quarter" idx="10"/>
+          </p:nvPr>
+        </p:nvSpPr>
+        <p:spPr/>
+        <p:txBody>
+          <a:bodyPr/>
+          <a:lstStyle/>
+          <a:p>
+            <a:fld id="{5E46389C-7C41-4606-B462-BCFADBC7B30F}" type="slidenum">
+              <a:rPr lang="zh-CN" altLang="en-US" smtClean="0"/>
+              <a:t>5</a:t>
+            </a:fld>
+            <a:endParaRPr lang="zh-CN" altLang="en-US"/>
+          </a:p>
+        </p:txBody>
+      </p:sp>
+    </p:spTree>
+    <p:extLst>
+      <p:ext uri="{BB962C8B-B14F-4D97-AF65-F5344CB8AC3E}">
+        <p14:creationId xmlns:p14="http://schemas.microsoft.com/office/powerpoint/2010/main" val="359939911"/>
+      </p:ext>
+    </p:extLst>
+  </p:cSld>
+  <p:clrMapOvr>
+    <a:masterClrMapping/>
+  </p:clrMapOvr>
+</p:notes>
+</file>
+
 <file path=ppt/slideLayouts/slideLayout1.xml><?xml version="1.0" encoding="utf-8"?>
 <p:sldLayout xmlns:a="http://schemas.openxmlformats.org/drawingml/2006/main" xmlns:r="http://schemas.openxmlformats.org/officeDocument/2006/relationships" xmlns:p="http://schemas.openxmlformats.org/presentationml/2006/main" type="title" preserve="1">
   <p:cSld name="标题幻灯片">
@@ -1043,7 +1153,7 @@
           <a:p>
             <a:fld id="{BE9EE6CF-13F7-4B5A-A653-432FA71A7777}" type="datetimeFigureOut">
               <a:rPr lang="zh-CN" altLang="en-US" smtClean="0"/>
-              <a:t>2019/6/19</a:t>
+              <a:t>2019/7/8</a:t>
             </a:fld>
             <a:endParaRPr lang="zh-CN" altLang="en-US"/>
           </a:p>
@@ -1211,7 +1321,7 @@
           <a:p>
             <a:fld id="{BE9EE6CF-13F7-4B5A-A653-432FA71A7777}" type="datetimeFigureOut">
               <a:rPr lang="zh-CN" altLang="en-US" smtClean="0"/>
-              <a:t>2019/6/19</a:t>
+              <a:t>2019/7/8</a:t>
             </a:fld>
             <a:endParaRPr lang="zh-CN" altLang="en-US"/>
           </a:p>
@@ -1389,7 +1499,7 @@
           <a:p>
             <a:fld id="{BE9EE6CF-13F7-4B5A-A653-432FA71A7777}" type="datetimeFigureOut">
               <a:rPr lang="zh-CN" altLang="en-US" smtClean="0"/>
-              <a:t>2019/6/19</a:t>
+              <a:t>2019/7/8</a:t>
             </a:fld>
             <a:endParaRPr lang="zh-CN" altLang="en-US"/>
           </a:p>
@@ -1557,7 +1667,7 @@
           <a:p>
             <a:fld id="{BE9EE6CF-13F7-4B5A-A653-432FA71A7777}" type="datetimeFigureOut">
               <a:rPr lang="zh-CN" altLang="en-US" smtClean="0"/>
-              <a:t>2019/6/19</a:t>
+              <a:t>2019/7/8</a:t>
             </a:fld>
             <a:endParaRPr lang="zh-CN" altLang="en-US"/>
           </a:p>
@@ -1802,7 +1912,7 @@
           <a:p>
             <a:fld id="{BE9EE6CF-13F7-4B5A-A653-432FA71A7777}" type="datetimeFigureOut">
               <a:rPr lang="zh-CN" altLang="en-US" smtClean="0"/>
-              <a:t>2019/6/19</a:t>
+              <a:t>2019/7/8</a:t>
             </a:fld>
             <a:endParaRPr lang="zh-CN" altLang="en-US"/>
           </a:p>
@@ -2031,7 +2141,7 @@
           <a:p>
             <a:fld id="{BE9EE6CF-13F7-4B5A-A653-432FA71A7777}" type="datetimeFigureOut">
               <a:rPr lang="zh-CN" altLang="en-US" smtClean="0"/>
-              <a:t>2019/6/19</a:t>
+              <a:t>2019/7/8</a:t>
             </a:fld>
             <a:endParaRPr lang="zh-CN" altLang="en-US"/>
           </a:p>
@@ -2395,7 +2505,7 @@
           <a:p>
             <a:fld id="{BE9EE6CF-13F7-4B5A-A653-432FA71A7777}" type="datetimeFigureOut">
               <a:rPr lang="zh-CN" altLang="en-US" smtClean="0"/>
-              <a:t>2019/6/19</a:t>
+              <a:t>2019/7/8</a:t>
             </a:fld>
             <a:endParaRPr lang="zh-CN" altLang="en-US"/>
           </a:p>
@@ -2512,7 +2622,7 @@
           <a:p>
             <a:fld id="{BE9EE6CF-13F7-4B5A-A653-432FA71A7777}" type="datetimeFigureOut">
               <a:rPr lang="zh-CN" altLang="en-US" smtClean="0"/>
-              <a:t>2019/6/19</a:t>
+              <a:t>2019/7/8</a:t>
             </a:fld>
             <a:endParaRPr lang="zh-CN" altLang="en-US"/>
           </a:p>
@@ -2607,7 +2717,7 @@
           <a:p>
             <a:fld id="{BE9EE6CF-13F7-4B5A-A653-432FA71A7777}" type="datetimeFigureOut">
               <a:rPr lang="zh-CN" altLang="en-US" smtClean="0"/>
-              <a:t>2019/6/19</a:t>
+              <a:t>2019/7/8</a:t>
             </a:fld>
             <a:endParaRPr lang="zh-CN" altLang="en-US"/>
           </a:p>
@@ -2882,7 +2992,7 @@
           <a:p>
             <a:fld id="{BE9EE6CF-13F7-4B5A-A653-432FA71A7777}" type="datetimeFigureOut">
               <a:rPr lang="zh-CN" altLang="en-US" smtClean="0"/>
-              <a:t>2019/6/19</a:t>
+              <a:t>2019/7/8</a:t>
             </a:fld>
             <a:endParaRPr lang="zh-CN" altLang="en-US"/>
           </a:p>
@@ -3134,7 +3244,7 @@
           <a:p>
             <a:fld id="{BE9EE6CF-13F7-4B5A-A653-432FA71A7777}" type="datetimeFigureOut">
               <a:rPr lang="zh-CN" altLang="en-US" smtClean="0"/>
-              <a:t>2019/6/19</a:t>
+              <a:t>2019/7/8</a:t>
             </a:fld>
             <a:endParaRPr lang="zh-CN" altLang="en-US"/>
           </a:p>
@@ -3345,7 +3455,7 @@
           <a:p>
             <a:fld id="{BE9EE6CF-13F7-4B5A-A653-432FA71A7777}" type="datetimeFigureOut">
               <a:rPr lang="zh-CN" altLang="en-US" smtClean="0"/>
-              <a:t>2019/6/19</a:t>
+              <a:t>2019/7/8</a:t>
             </a:fld>
             <a:endParaRPr lang="zh-CN" altLang="en-US"/>
           </a:p>
@@ -7634,13 +7744,6 @@
               </a:rPr>
               <a:t>submit</a:t>
             </a:r>
-            <a:endParaRPr lang="en-US" altLang="zh-CN" dirty="0" smtClean="0">
-              <a:solidFill>
-                <a:schemeClr val="tx1"/>
-              </a:solidFill>
-              <a:latin typeface="Times New Roman" panose="02020603050405020304" pitchFamily="18" charset="0"/>
-              <a:cs typeface="Times New Roman" panose="02020603050405020304" pitchFamily="18" charset="0"/>
-            </a:endParaRPr>
           </a:p>
         </p:txBody>
       </p:sp>
@@ -7694,13 +7797,6 @@
               </a:rPr>
               <a:t>watch</a:t>
             </a:r>
-            <a:endParaRPr lang="en-US" altLang="zh-CN" dirty="0" smtClean="0">
-              <a:solidFill>
-                <a:schemeClr val="tx1"/>
-              </a:solidFill>
-              <a:latin typeface="Times New Roman" panose="02020603050405020304" pitchFamily="18" charset="0"/>
-              <a:cs typeface="Times New Roman" panose="02020603050405020304" pitchFamily="18" charset="0"/>
-            </a:endParaRPr>
           </a:p>
         </p:txBody>
       </p:sp>
@@ -7756,13 +7852,6 @@
               </a:rPr>
               <a:t>update</a:t>
             </a:r>
-            <a:endParaRPr lang="en-US" altLang="zh-CN" dirty="0" smtClean="0">
-              <a:solidFill>
-                <a:schemeClr val="tx1"/>
-              </a:solidFill>
-              <a:latin typeface="Times New Roman" panose="02020603050405020304" pitchFamily="18" charset="0"/>
-              <a:cs typeface="Times New Roman" panose="02020603050405020304" pitchFamily="18" charset="0"/>
-            </a:endParaRPr>
           </a:p>
         </p:txBody>
       </p:sp>
@@ -7839,13 +7928,6 @@
               </a:rPr>
               <a:t>callback</a:t>
             </a:r>
-            <a:endParaRPr lang="en-US" altLang="zh-CN" dirty="0" smtClean="0">
-              <a:solidFill>
-                <a:schemeClr val="tx1"/>
-              </a:solidFill>
-              <a:latin typeface="Times New Roman" panose="02020603050405020304" pitchFamily="18" charset="0"/>
-              <a:cs typeface="Times New Roman" panose="02020603050405020304" pitchFamily="18" charset="0"/>
-            </a:endParaRPr>
           </a:p>
         </p:txBody>
       </p:sp>
@@ -8386,13 +8468,6 @@
               </a:rPr>
               <a:t>update</a:t>
             </a:r>
-            <a:endParaRPr lang="en-US" altLang="zh-CN" dirty="0" smtClean="0">
-              <a:solidFill>
-                <a:schemeClr val="tx1"/>
-              </a:solidFill>
-              <a:latin typeface="Times New Roman" panose="02020603050405020304" pitchFamily="18" charset="0"/>
-              <a:cs typeface="Times New Roman" panose="02020603050405020304" pitchFamily="18" charset="0"/>
-            </a:endParaRPr>
           </a:p>
         </p:txBody>
       </p:sp>
@@ -8446,13 +8521,6 @@
               </a:rPr>
               <a:t>watch</a:t>
             </a:r>
-            <a:endParaRPr lang="en-US" altLang="zh-CN" dirty="0" smtClean="0">
-              <a:solidFill>
-                <a:schemeClr val="tx1"/>
-              </a:solidFill>
-              <a:latin typeface="Times New Roman" panose="02020603050405020304" pitchFamily="18" charset="0"/>
-              <a:cs typeface="Times New Roman" panose="02020603050405020304" pitchFamily="18" charset="0"/>
-            </a:endParaRPr>
           </a:p>
         </p:txBody>
       </p:sp>
@@ -8508,13 +8576,6 @@
               </a:rPr>
               <a:t>update</a:t>
             </a:r>
-            <a:endParaRPr lang="en-US" altLang="zh-CN" dirty="0" smtClean="0">
-              <a:solidFill>
-                <a:schemeClr val="tx1"/>
-              </a:solidFill>
-              <a:latin typeface="Times New Roman" panose="02020603050405020304" pitchFamily="18" charset="0"/>
-              <a:cs typeface="Times New Roman" panose="02020603050405020304" pitchFamily="18" charset="0"/>
-            </a:endParaRPr>
           </a:p>
         </p:txBody>
       </p:sp>
@@ -8591,13 +8652,6 @@
               </a:rPr>
               <a:t>callback</a:t>
             </a:r>
-            <a:endParaRPr lang="en-US" altLang="zh-CN" dirty="0" smtClean="0">
-              <a:solidFill>
-                <a:schemeClr val="tx1"/>
-              </a:solidFill>
-              <a:latin typeface="Times New Roman" panose="02020603050405020304" pitchFamily="18" charset="0"/>
-              <a:cs typeface="Times New Roman" panose="02020603050405020304" pitchFamily="18" charset="0"/>
-            </a:endParaRPr>
           </a:p>
         </p:txBody>
       </p:sp>
@@ -8807,6 +8861,1663 @@
     <p:extLst>
       <p:ext uri="{BB962C8B-B14F-4D97-AF65-F5344CB8AC3E}">
         <p14:creationId xmlns:p14="http://schemas.microsoft.com/office/powerpoint/2010/main" val="369563426"/>
+      </p:ext>
+    </p:extLst>
+  </p:cSld>
+  <p:clrMapOvr>
+    <a:masterClrMapping/>
+  </p:clrMapOvr>
+  <p:timing>
+    <p:tnLst>
+      <p:par>
+        <p:cTn id="1" dur="indefinite" restart="never" nodeType="tmRoot"/>
+      </p:par>
+    </p:tnLst>
+  </p:timing>
+</p:sld>
+</file>
+
+<file path=ppt/slides/slide5.xml><?xml version="1.0" encoding="utf-8"?>
+<p:sld xmlns:a="http://schemas.openxmlformats.org/drawingml/2006/main" xmlns:r="http://schemas.openxmlformats.org/officeDocument/2006/relationships" xmlns:p="http://schemas.openxmlformats.org/presentationml/2006/main">
+  <p:cSld>
+    <p:spTree>
+      <p:nvGrpSpPr>
+        <p:cNvPr id="1" name=""/>
+        <p:cNvGrpSpPr/>
+        <p:nvPr/>
+      </p:nvGrpSpPr>
+      <p:grpSpPr>
+        <a:xfrm>
+          <a:off x="0" y="0"/>
+          <a:ext cx="0" cy="0"/>
+          <a:chOff x="0" y="0"/>
+          <a:chExt cx="0" cy="0"/>
+        </a:xfrm>
+      </p:grpSpPr>
+      <p:sp>
+        <p:nvSpPr>
+          <p:cNvPr id="91" name="标题 1"/>
+          <p:cNvSpPr>
+            <a:spLocks noGrp="1"/>
+          </p:cNvSpPr>
+          <p:nvPr>
+            <p:ph type="title"/>
+          </p:nvPr>
+        </p:nvSpPr>
+        <p:spPr>
+          <a:xfrm>
+            <a:off x="574892" y="164983"/>
+            <a:ext cx="11579008" cy="930315"/>
+          </a:xfrm>
+        </p:spPr>
+        <p:txBody>
+          <a:bodyPr>
+            <a:noAutofit/>
+          </a:bodyPr>
+          <a:lstStyle/>
+          <a:p>
+            <a:r>
+              <a:rPr lang="en-US" altLang="zh-CN" sz="3200" dirty="0" smtClean="0">
+                <a:latin typeface="Times New Roman" panose="02020603050405020304" pitchFamily="18" charset="0"/>
+                <a:ea typeface="隶书" pitchFamily="49" charset="-122"/>
+                <a:cs typeface="Times New Roman" panose="02020603050405020304" pitchFamily="18" charset="0"/>
+                <a:sym typeface="+mn-ea"/>
+              </a:rPr>
+              <a:t>Architecture</a:t>
+            </a:r>
+            <a:endParaRPr lang="en-US" altLang="zh-CN" sz="3200" dirty="0">
+              <a:latin typeface="Times New Roman" panose="02020603050405020304" pitchFamily="18" charset="0"/>
+              <a:ea typeface="隶书" pitchFamily="49" charset="-122"/>
+              <a:cs typeface="Times New Roman" panose="02020603050405020304" pitchFamily="18" charset="0"/>
+              <a:sym typeface="+mn-ea"/>
+            </a:endParaRPr>
+          </a:p>
+        </p:txBody>
+      </p:sp>
+      <p:sp>
+        <p:nvSpPr>
+          <p:cNvPr id="17" name="椭圆 16"/>
+          <p:cNvSpPr/>
+          <p:nvPr/>
+        </p:nvSpPr>
+        <p:spPr>
+          <a:xfrm>
+            <a:off x="4119897" y="2460152"/>
+            <a:ext cx="1684421" cy="1578543"/>
+          </a:xfrm>
+          <a:prstGeom prst="ellipse">
+            <a:avLst/>
+          </a:prstGeom>
+          <a:solidFill>
+            <a:schemeClr val="bg1"/>
+          </a:solidFill>
+          <a:ln w="38100">
+            <a:solidFill>
+              <a:schemeClr val="tx1"/>
+            </a:solidFill>
+          </a:ln>
+        </p:spPr>
+        <p:style>
+          <a:lnRef idx="2">
+            <a:schemeClr val="accent1">
+              <a:shade val="50000"/>
+            </a:schemeClr>
+          </a:lnRef>
+          <a:fillRef idx="1">
+            <a:schemeClr val="accent1"/>
+          </a:fillRef>
+          <a:effectRef idx="0">
+            <a:schemeClr val="accent1"/>
+          </a:effectRef>
+          <a:fontRef idx="minor">
+            <a:schemeClr val="lt1"/>
+          </a:fontRef>
+        </p:style>
+        <p:txBody>
+          <a:bodyPr rtlCol="0" anchor="ctr"/>
+          <a:lstStyle/>
+          <a:p>
+            <a:pPr algn="ctr"/>
+            <a:r>
+              <a:rPr lang="en-US" altLang="zh-CN" dirty="0" smtClean="0">
+                <a:solidFill>
+                  <a:schemeClr val="tx1"/>
+                </a:solidFill>
+                <a:latin typeface="Times New Roman" panose="02020603050405020304" pitchFamily="18" charset="0"/>
+                <a:cs typeface="Times New Roman" panose="02020603050405020304" pitchFamily="18" charset="0"/>
+              </a:rPr>
+              <a:t>Virtual</a:t>
+            </a:r>
+          </a:p>
+          <a:p>
+            <a:pPr algn="ctr"/>
+            <a:r>
+              <a:rPr lang="en-US" altLang="zh-CN" dirty="0" smtClean="0">
+                <a:solidFill>
+                  <a:schemeClr val="tx1"/>
+                </a:solidFill>
+                <a:latin typeface="Times New Roman" panose="02020603050405020304" pitchFamily="18" charset="0"/>
+                <a:cs typeface="Times New Roman" panose="02020603050405020304" pitchFamily="18" charset="0"/>
+              </a:rPr>
+              <a:t>Machine</a:t>
+            </a:r>
+            <a:endParaRPr lang="zh-CN" altLang="en-US" dirty="0"/>
+          </a:p>
+        </p:txBody>
+      </p:sp>
+      <p:sp>
+        <p:nvSpPr>
+          <p:cNvPr id="21" name="椭圆 20"/>
+          <p:cNvSpPr/>
+          <p:nvPr/>
+        </p:nvSpPr>
+        <p:spPr>
+          <a:xfrm>
+            <a:off x="574892" y="4498033"/>
+            <a:ext cx="1684421" cy="1578543"/>
+          </a:xfrm>
+          <a:prstGeom prst="ellipse">
+            <a:avLst/>
+          </a:prstGeom>
+          <a:noFill/>
+          <a:ln w="38100">
+            <a:solidFill>
+              <a:schemeClr val="tx1"/>
+            </a:solidFill>
+          </a:ln>
+        </p:spPr>
+        <p:style>
+          <a:lnRef idx="2">
+            <a:schemeClr val="accent1">
+              <a:shade val="50000"/>
+            </a:schemeClr>
+          </a:lnRef>
+          <a:fillRef idx="1">
+            <a:schemeClr val="accent1"/>
+          </a:fillRef>
+          <a:effectRef idx="0">
+            <a:schemeClr val="accent1"/>
+          </a:effectRef>
+          <a:fontRef idx="minor">
+            <a:schemeClr val="lt1"/>
+          </a:fontRef>
+        </p:style>
+        <p:txBody>
+          <a:bodyPr rtlCol="0" anchor="ctr"/>
+          <a:lstStyle/>
+          <a:p>
+            <a:pPr algn="ctr"/>
+            <a:r>
+              <a:rPr lang="en-US" altLang="zh-CN" dirty="0" smtClean="0">
+                <a:solidFill>
+                  <a:schemeClr val="tx1"/>
+                </a:solidFill>
+                <a:latin typeface="Times New Roman" panose="02020603050405020304" pitchFamily="18" charset="0"/>
+                <a:cs typeface="Times New Roman" panose="02020603050405020304" pitchFamily="18" charset="0"/>
+              </a:rPr>
+              <a:t>Virtual</a:t>
+            </a:r>
+          </a:p>
+          <a:p>
+            <a:pPr algn="ctr"/>
+            <a:r>
+              <a:rPr lang="en-US" altLang="zh-CN" dirty="0" smtClean="0">
+                <a:solidFill>
+                  <a:schemeClr val="tx1"/>
+                </a:solidFill>
+                <a:latin typeface="Times New Roman" panose="02020603050405020304" pitchFamily="18" charset="0"/>
+                <a:cs typeface="Times New Roman" panose="02020603050405020304" pitchFamily="18" charset="0"/>
+              </a:rPr>
+              <a:t>Machine</a:t>
+            </a:r>
+          </a:p>
+          <a:p>
+            <a:pPr algn="ctr"/>
+            <a:r>
+              <a:rPr lang="en-US" altLang="zh-CN" dirty="0">
+                <a:solidFill>
+                  <a:schemeClr val="tx1"/>
+                </a:solidFill>
+                <a:latin typeface="Times New Roman" panose="02020603050405020304" pitchFamily="18" charset="0"/>
+                <a:cs typeface="Times New Roman" panose="02020603050405020304" pitchFamily="18" charset="0"/>
+              </a:rPr>
+              <a:t>Image</a:t>
+            </a:r>
+            <a:endParaRPr lang="zh-CN" altLang="en-US" dirty="0"/>
+          </a:p>
+        </p:txBody>
+      </p:sp>
+      <p:sp>
+        <p:nvSpPr>
+          <p:cNvPr id="22" name="椭圆 21"/>
+          <p:cNvSpPr/>
+          <p:nvPr/>
+        </p:nvSpPr>
+        <p:spPr>
+          <a:xfrm>
+            <a:off x="7360932" y="4429531"/>
+            <a:ext cx="1684421" cy="1578543"/>
+          </a:xfrm>
+          <a:prstGeom prst="ellipse">
+            <a:avLst/>
+          </a:prstGeom>
+          <a:noFill/>
+          <a:ln w="38100">
+            <a:solidFill>
+              <a:schemeClr val="tx1"/>
+            </a:solidFill>
+          </a:ln>
+        </p:spPr>
+        <p:style>
+          <a:lnRef idx="2">
+            <a:schemeClr val="accent1">
+              <a:shade val="50000"/>
+            </a:schemeClr>
+          </a:lnRef>
+          <a:fillRef idx="1">
+            <a:schemeClr val="accent1"/>
+          </a:fillRef>
+          <a:effectRef idx="0">
+            <a:schemeClr val="accent1"/>
+          </a:effectRef>
+          <a:fontRef idx="minor">
+            <a:schemeClr val="lt1"/>
+          </a:fontRef>
+        </p:style>
+        <p:txBody>
+          <a:bodyPr rtlCol="0" anchor="ctr"/>
+          <a:lstStyle/>
+          <a:p>
+            <a:pPr algn="ctr"/>
+            <a:r>
+              <a:rPr lang="en-US" altLang="zh-CN" dirty="0" smtClean="0">
+                <a:solidFill>
+                  <a:schemeClr val="tx1"/>
+                </a:solidFill>
+                <a:latin typeface="Times New Roman" panose="02020603050405020304" pitchFamily="18" charset="0"/>
+                <a:cs typeface="Times New Roman" panose="02020603050405020304" pitchFamily="18" charset="0"/>
+              </a:rPr>
+              <a:t>Virtual</a:t>
+            </a:r>
+          </a:p>
+          <a:p>
+            <a:pPr algn="ctr"/>
+            <a:r>
+              <a:rPr lang="en-US" altLang="zh-CN" dirty="0" smtClean="0">
+                <a:solidFill>
+                  <a:schemeClr val="tx1"/>
+                </a:solidFill>
+                <a:latin typeface="Times New Roman" panose="02020603050405020304" pitchFamily="18" charset="0"/>
+                <a:cs typeface="Times New Roman" panose="02020603050405020304" pitchFamily="18" charset="0"/>
+              </a:rPr>
+              <a:t>Machine</a:t>
+            </a:r>
+          </a:p>
+          <a:p>
+            <a:pPr algn="ctr"/>
+            <a:r>
+              <a:rPr lang="en-US" altLang="zh-CN" dirty="0" smtClean="0">
+                <a:solidFill>
+                  <a:schemeClr val="tx1"/>
+                </a:solidFill>
+                <a:latin typeface="Times New Roman" panose="02020603050405020304" pitchFamily="18" charset="0"/>
+                <a:cs typeface="Times New Roman" panose="02020603050405020304" pitchFamily="18" charset="0"/>
+              </a:rPr>
+              <a:t>Snapshot</a:t>
+            </a:r>
+            <a:endParaRPr lang="zh-CN" altLang="en-US" dirty="0"/>
+          </a:p>
+        </p:txBody>
+      </p:sp>
+      <p:cxnSp>
+        <p:nvCxnSpPr>
+          <p:cNvPr id="25" name="直接箭头连接符 24"/>
+          <p:cNvCxnSpPr/>
+          <p:nvPr/>
+        </p:nvCxnSpPr>
+        <p:spPr>
+          <a:xfrm flipH="1">
+            <a:off x="1696530" y="3219113"/>
+            <a:ext cx="2423367" cy="1248609"/>
+          </a:xfrm>
+          <a:prstGeom prst="straightConnector1">
+            <a:avLst/>
+          </a:prstGeom>
+          <a:noFill/>
+          <a:ln w="38100">
+            <a:solidFill>
+              <a:schemeClr val="tx1"/>
+            </a:solidFill>
+            <a:tailEnd type="triangle"/>
+          </a:ln>
+        </p:spPr>
+        <p:style>
+          <a:lnRef idx="2">
+            <a:schemeClr val="accent1">
+              <a:shade val="50000"/>
+            </a:schemeClr>
+          </a:lnRef>
+          <a:fillRef idx="1">
+            <a:schemeClr val="accent1"/>
+          </a:fillRef>
+          <a:effectRef idx="0">
+            <a:schemeClr val="accent1"/>
+          </a:effectRef>
+          <a:fontRef idx="minor">
+            <a:schemeClr val="lt1"/>
+          </a:fontRef>
+        </p:style>
+      </p:cxnSp>
+      <p:sp>
+        <p:nvSpPr>
+          <p:cNvPr id="28" name="矩形 27"/>
+          <p:cNvSpPr/>
+          <p:nvPr/>
+        </p:nvSpPr>
+        <p:spPr>
+          <a:xfrm rot="19956102">
+            <a:off x="1311398" y="3219416"/>
+            <a:ext cx="2727683" cy="779715"/>
+          </a:xfrm>
+          <a:prstGeom prst="rect">
+            <a:avLst/>
+          </a:prstGeom>
+          <a:noFill/>
+          <a:ln w="28575">
+            <a:noFill/>
+          </a:ln>
+        </p:spPr>
+        <p:style>
+          <a:lnRef idx="2">
+            <a:schemeClr val="accent1">
+              <a:shade val="50000"/>
+            </a:schemeClr>
+          </a:lnRef>
+          <a:fillRef idx="1">
+            <a:schemeClr val="accent1"/>
+          </a:fillRef>
+          <a:effectRef idx="0">
+            <a:schemeClr val="accent1"/>
+          </a:effectRef>
+          <a:fontRef idx="minor">
+            <a:schemeClr val="lt1"/>
+          </a:fontRef>
+        </p:style>
+        <p:txBody>
+          <a:bodyPr rtlCol="0" anchor="ctr"/>
+          <a:lstStyle/>
+          <a:p>
+            <a:pPr algn="ctr"/>
+            <a:r>
+              <a:rPr lang="zh-CN" altLang="en-US" dirty="0" smtClean="0">
+                <a:solidFill>
+                  <a:schemeClr val="tx1"/>
+                </a:solidFill>
+                <a:latin typeface="楷体" panose="02010609060101010101" pitchFamily="49" charset="-122"/>
+                <a:ea typeface="楷体" panose="02010609060101010101" pitchFamily="49" charset="-122"/>
+                <a:cs typeface="Times New Roman" panose="02020603050405020304" pitchFamily="18" charset="0"/>
+              </a:rPr>
+              <a:t>当虚拟机处于</a:t>
+            </a:r>
+            <a:r>
+              <a:rPr lang="zh-CN" altLang="en-US" dirty="0" smtClean="0">
+                <a:solidFill>
+                  <a:srgbClr val="C00000"/>
+                </a:solidFill>
+                <a:latin typeface="楷体" panose="02010609060101010101" pitchFamily="49" charset="-122"/>
+                <a:ea typeface="楷体" panose="02010609060101010101" pitchFamily="49" charset="-122"/>
+                <a:cs typeface="Times New Roman" panose="02020603050405020304" pitchFamily="18" charset="0"/>
+              </a:rPr>
+              <a:t>关机状态</a:t>
+            </a:r>
+            <a:r>
+              <a:rPr lang="zh-CN" altLang="en-US" dirty="0" smtClean="0">
+                <a:solidFill>
+                  <a:schemeClr val="tx1"/>
+                </a:solidFill>
+                <a:latin typeface="楷体" panose="02010609060101010101" pitchFamily="49" charset="-122"/>
+                <a:ea typeface="楷体" panose="02010609060101010101" pitchFamily="49" charset="-122"/>
+                <a:cs typeface="Times New Roman" panose="02020603050405020304" pitchFamily="18" charset="0"/>
+              </a:rPr>
+              <a:t>时且有</a:t>
+            </a:r>
+            <a:r>
+              <a:rPr lang="en-US" altLang="zh-CN" dirty="0">
+                <a:solidFill>
+                  <a:srgbClr val="C00000"/>
+                </a:solidFill>
+                <a:latin typeface="楷体" panose="02010609060101010101" pitchFamily="49" charset="-122"/>
+                <a:ea typeface="楷体" panose="02010609060101010101" pitchFamily="49" charset="-122"/>
+                <a:cs typeface="Times New Roman" panose="02020603050405020304" pitchFamily="18" charset="0"/>
+              </a:rPr>
+              <a:t>OS</a:t>
+            </a:r>
+            <a:r>
+              <a:rPr lang="zh-CN" altLang="en-US" dirty="0" smtClean="0">
+                <a:solidFill>
+                  <a:schemeClr val="tx1"/>
+                </a:solidFill>
+                <a:latin typeface="楷体" panose="02010609060101010101" pitchFamily="49" charset="-122"/>
+                <a:ea typeface="楷体" panose="02010609060101010101" pitchFamily="49" charset="-122"/>
+                <a:cs typeface="Times New Roman" panose="02020603050405020304" pitchFamily="18" charset="0"/>
+              </a:rPr>
+              <a:t>，</a:t>
+            </a:r>
+            <a:r>
+              <a:rPr lang="zh-CN" altLang="en-US" dirty="0" smtClean="0">
+                <a:solidFill>
+                  <a:schemeClr val="tx1"/>
+                </a:solidFill>
+                <a:latin typeface="楷体" panose="02010609060101010101" pitchFamily="49" charset="-122"/>
+                <a:ea typeface="楷体" panose="02010609060101010101" pitchFamily="49" charset="-122"/>
+                <a:cs typeface="Times New Roman" panose="02020603050405020304" pitchFamily="18" charset="0"/>
+              </a:rPr>
+              <a:t>可</a:t>
+            </a:r>
+            <a:r>
+              <a:rPr lang="zh-CN" altLang="en-US" dirty="0" smtClean="0">
+                <a:solidFill>
+                  <a:srgbClr val="C00000"/>
+                </a:solidFill>
+                <a:latin typeface="楷体" panose="02010609060101010101" pitchFamily="49" charset="-122"/>
+                <a:ea typeface="楷体" panose="02010609060101010101" pitchFamily="49" charset="-122"/>
+                <a:cs typeface="Times New Roman" panose="02020603050405020304" pitchFamily="18" charset="0"/>
+              </a:rPr>
+              <a:t>转化</a:t>
+            </a:r>
+            <a:r>
+              <a:rPr lang="zh-CN" altLang="en-US" dirty="0" smtClean="0">
+                <a:solidFill>
+                  <a:schemeClr val="tx1"/>
+                </a:solidFill>
+                <a:latin typeface="楷体" panose="02010609060101010101" pitchFamily="49" charset="-122"/>
+                <a:ea typeface="楷体" panose="02010609060101010101" pitchFamily="49" charset="-122"/>
+                <a:cs typeface="Times New Roman" panose="02020603050405020304" pitchFamily="18" charset="0"/>
+              </a:rPr>
+              <a:t>为镜像</a:t>
+            </a:r>
+            <a:endParaRPr lang="en-US" altLang="zh-CN" dirty="0" smtClean="0">
+              <a:solidFill>
+                <a:schemeClr val="tx1"/>
+              </a:solidFill>
+              <a:latin typeface="楷体" panose="02010609060101010101" pitchFamily="49" charset="-122"/>
+              <a:ea typeface="楷体" panose="02010609060101010101" pitchFamily="49" charset="-122"/>
+              <a:cs typeface="Times New Roman" panose="02020603050405020304" pitchFamily="18" charset="0"/>
+            </a:endParaRPr>
+          </a:p>
+        </p:txBody>
+      </p:sp>
+      <p:cxnSp>
+        <p:nvCxnSpPr>
+          <p:cNvPr id="29" name="直接箭头连接符 28"/>
+          <p:cNvCxnSpPr/>
+          <p:nvPr/>
+        </p:nvCxnSpPr>
+        <p:spPr>
+          <a:xfrm flipH="1">
+            <a:off x="2259313" y="3999432"/>
+            <a:ext cx="2424171" cy="1258165"/>
+          </a:xfrm>
+          <a:prstGeom prst="straightConnector1">
+            <a:avLst/>
+          </a:prstGeom>
+          <a:noFill/>
+          <a:ln w="38100">
+            <a:solidFill>
+              <a:schemeClr val="tx1"/>
+            </a:solidFill>
+            <a:headEnd type="triangle"/>
+            <a:tailEnd type="none" w="sm" len="sm"/>
+          </a:ln>
+        </p:spPr>
+        <p:style>
+          <a:lnRef idx="2">
+            <a:schemeClr val="accent1">
+              <a:shade val="50000"/>
+            </a:schemeClr>
+          </a:lnRef>
+          <a:fillRef idx="1">
+            <a:schemeClr val="accent1"/>
+          </a:fillRef>
+          <a:effectRef idx="0">
+            <a:schemeClr val="accent1"/>
+          </a:effectRef>
+          <a:fontRef idx="minor">
+            <a:schemeClr val="lt1"/>
+          </a:fontRef>
+        </p:style>
+      </p:cxnSp>
+      <p:sp>
+        <p:nvSpPr>
+          <p:cNvPr id="34" name="矩形 33"/>
+          <p:cNvSpPr/>
+          <p:nvPr/>
+        </p:nvSpPr>
+        <p:spPr>
+          <a:xfrm rot="19919502">
+            <a:off x="2338695" y="4412137"/>
+            <a:ext cx="2565677" cy="779715"/>
+          </a:xfrm>
+          <a:prstGeom prst="rect">
+            <a:avLst/>
+          </a:prstGeom>
+          <a:noFill/>
+          <a:ln w="28575">
+            <a:noFill/>
+          </a:ln>
+        </p:spPr>
+        <p:style>
+          <a:lnRef idx="2">
+            <a:schemeClr val="accent1">
+              <a:shade val="50000"/>
+            </a:schemeClr>
+          </a:lnRef>
+          <a:fillRef idx="1">
+            <a:schemeClr val="accent1"/>
+          </a:fillRef>
+          <a:effectRef idx="0">
+            <a:schemeClr val="accent1"/>
+          </a:effectRef>
+          <a:fontRef idx="minor">
+            <a:schemeClr val="lt1"/>
+          </a:fontRef>
+        </p:style>
+        <p:txBody>
+          <a:bodyPr rtlCol="0" anchor="ctr"/>
+          <a:lstStyle/>
+          <a:p>
+            <a:pPr algn="ctr"/>
+            <a:r>
+              <a:rPr lang="zh-CN" altLang="en-US" dirty="0" smtClean="0">
+                <a:solidFill>
+                  <a:schemeClr val="tx1"/>
+                </a:solidFill>
+                <a:latin typeface="楷体" panose="02010609060101010101" pitchFamily="49" charset="-122"/>
+                <a:ea typeface="楷体" panose="02010609060101010101" pitchFamily="49" charset="-122"/>
+                <a:cs typeface="Times New Roman" panose="02020603050405020304" pitchFamily="18" charset="0"/>
+              </a:rPr>
+              <a:t>基于</a:t>
+            </a:r>
+            <a:r>
+              <a:rPr lang="zh-CN" altLang="en-US" dirty="0" smtClean="0">
+                <a:solidFill>
+                  <a:srgbClr val="C00000"/>
+                </a:solidFill>
+                <a:latin typeface="楷体" panose="02010609060101010101" pitchFamily="49" charset="-122"/>
+                <a:ea typeface="楷体" panose="02010609060101010101" pitchFamily="49" charset="-122"/>
+                <a:cs typeface="Times New Roman" panose="02020603050405020304" pitchFamily="18" charset="0"/>
+              </a:rPr>
+              <a:t>镜像</a:t>
+            </a:r>
+            <a:r>
+              <a:rPr lang="zh-CN" altLang="en-US" dirty="0" smtClean="0">
+                <a:solidFill>
+                  <a:schemeClr val="tx1"/>
+                </a:solidFill>
+                <a:latin typeface="楷体" panose="02010609060101010101" pitchFamily="49" charset="-122"/>
+                <a:ea typeface="楷体" panose="02010609060101010101" pitchFamily="49" charset="-122"/>
+                <a:cs typeface="Times New Roman" panose="02020603050405020304" pitchFamily="18" charset="0"/>
+              </a:rPr>
+              <a:t>创建</a:t>
+            </a:r>
+            <a:r>
+              <a:rPr lang="zh-CN" altLang="en-US" dirty="0" smtClean="0">
+                <a:solidFill>
+                  <a:srgbClr val="C00000"/>
+                </a:solidFill>
+                <a:latin typeface="楷体" panose="02010609060101010101" pitchFamily="49" charset="-122"/>
+                <a:ea typeface="楷体" panose="02010609060101010101" pitchFamily="49" charset="-122"/>
+                <a:cs typeface="Times New Roman" panose="02020603050405020304" pitchFamily="18" charset="0"/>
+              </a:rPr>
+              <a:t>虚拟机</a:t>
+            </a:r>
+            <a:endParaRPr lang="en-US" altLang="zh-CN" dirty="0" smtClean="0">
+              <a:solidFill>
+                <a:srgbClr val="C00000"/>
+              </a:solidFill>
+              <a:latin typeface="楷体" panose="02010609060101010101" pitchFamily="49" charset="-122"/>
+              <a:ea typeface="楷体" panose="02010609060101010101" pitchFamily="49" charset="-122"/>
+              <a:cs typeface="Times New Roman" panose="02020603050405020304" pitchFamily="18" charset="0"/>
+            </a:endParaRPr>
+          </a:p>
+        </p:txBody>
+      </p:sp>
+      <p:cxnSp>
+        <p:nvCxnSpPr>
+          <p:cNvPr id="35" name="直接箭头连接符 34"/>
+          <p:cNvCxnSpPr/>
+          <p:nvPr/>
+        </p:nvCxnSpPr>
+        <p:spPr>
+          <a:xfrm>
+            <a:off x="5804317" y="3129783"/>
+            <a:ext cx="2398825" cy="1222521"/>
+          </a:xfrm>
+          <a:prstGeom prst="straightConnector1">
+            <a:avLst/>
+          </a:prstGeom>
+          <a:noFill/>
+          <a:ln w="38100">
+            <a:solidFill>
+              <a:schemeClr val="tx1"/>
+            </a:solidFill>
+            <a:tailEnd type="triangle"/>
+          </a:ln>
+        </p:spPr>
+        <p:style>
+          <a:lnRef idx="2">
+            <a:schemeClr val="accent1">
+              <a:shade val="50000"/>
+            </a:schemeClr>
+          </a:lnRef>
+          <a:fillRef idx="1">
+            <a:schemeClr val="accent1"/>
+          </a:fillRef>
+          <a:effectRef idx="0">
+            <a:schemeClr val="accent1"/>
+          </a:effectRef>
+          <a:fontRef idx="minor">
+            <a:schemeClr val="lt1"/>
+          </a:fontRef>
+        </p:style>
+      </p:cxnSp>
+      <p:sp>
+        <p:nvSpPr>
+          <p:cNvPr id="39" name="矩形 38"/>
+          <p:cNvSpPr/>
+          <p:nvPr/>
+        </p:nvSpPr>
+        <p:spPr>
+          <a:xfrm rot="1679992">
+            <a:off x="5729372" y="3154763"/>
+            <a:ext cx="2727683" cy="779715"/>
+          </a:xfrm>
+          <a:prstGeom prst="rect">
+            <a:avLst/>
+          </a:prstGeom>
+          <a:noFill/>
+          <a:ln w="28575">
+            <a:noFill/>
+          </a:ln>
+        </p:spPr>
+        <p:style>
+          <a:lnRef idx="2">
+            <a:schemeClr val="accent1">
+              <a:shade val="50000"/>
+            </a:schemeClr>
+          </a:lnRef>
+          <a:fillRef idx="1">
+            <a:schemeClr val="accent1"/>
+          </a:fillRef>
+          <a:effectRef idx="0">
+            <a:schemeClr val="accent1"/>
+          </a:effectRef>
+          <a:fontRef idx="minor">
+            <a:schemeClr val="lt1"/>
+          </a:fontRef>
+        </p:style>
+        <p:txBody>
+          <a:bodyPr rtlCol="0" anchor="ctr"/>
+          <a:lstStyle/>
+          <a:p>
+            <a:pPr algn="ctr"/>
+            <a:r>
+              <a:rPr lang="zh-CN" altLang="en-US" dirty="0" smtClean="0">
+                <a:solidFill>
+                  <a:schemeClr val="tx1"/>
+                </a:solidFill>
+                <a:latin typeface="楷体" panose="02010609060101010101" pitchFamily="49" charset="-122"/>
+                <a:ea typeface="楷体" panose="02010609060101010101" pitchFamily="49" charset="-122"/>
+                <a:cs typeface="Times New Roman" panose="02020603050405020304" pitchFamily="18" charset="0"/>
+              </a:rPr>
+              <a:t>为</a:t>
+            </a:r>
+            <a:r>
+              <a:rPr lang="zh-CN" altLang="en-US" dirty="0" smtClean="0">
+                <a:solidFill>
+                  <a:srgbClr val="C00000"/>
+                </a:solidFill>
+                <a:latin typeface="楷体" panose="02010609060101010101" pitchFamily="49" charset="-122"/>
+                <a:ea typeface="楷体" panose="02010609060101010101" pitchFamily="49" charset="-122"/>
+                <a:cs typeface="Times New Roman" panose="02020603050405020304" pitchFamily="18" charset="0"/>
+              </a:rPr>
+              <a:t>虚拟机</a:t>
+            </a:r>
+            <a:r>
+              <a:rPr lang="zh-CN" altLang="en-US" dirty="0" smtClean="0">
+                <a:solidFill>
+                  <a:schemeClr val="tx1"/>
+                </a:solidFill>
+                <a:latin typeface="楷体" panose="02010609060101010101" pitchFamily="49" charset="-122"/>
+                <a:ea typeface="楷体" panose="02010609060101010101" pitchFamily="49" charset="-122"/>
+                <a:cs typeface="Times New Roman" panose="02020603050405020304" pitchFamily="18" charset="0"/>
+              </a:rPr>
+              <a:t>做</a:t>
+            </a:r>
+            <a:r>
+              <a:rPr lang="zh-CN" altLang="en-US" dirty="0" smtClean="0">
+                <a:solidFill>
+                  <a:srgbClr val="C00000"/>
+                </a:solidFill>
+                <a:latin typeface="楷体" panose="02010609060101010101" pitchFamily="49" charset="-122"/>
+                <a:ea typeface="楷体" panose="02010609060101010101" pitchFamily="49" charset="-122"/>
+                <a:cs typeface="Times New Roman" panose="02020603050405020304" pitchFamily="18" charset="0"/>
+              </a:rPr>
+              <a:t>快照</a:t>
+            </a:r>
+            <a:endParaRPr lang="en-US" altLang="zh-CN" dirty="0" smtClean="0">
+              <a:solidFill>
+                <a:srgbClr val="C00000"/>
+              </a:solidFill>
+              <a:latin typeface="楷体" panose="02010609060101010101" pitchFamily="49" charset="-122"/>
+              <a:ea typeface="楷体" panose="02010609060101010101" pitchFamily="49" charset="-122"/>
+              <a:cs typeface="Times New Roman" panose="02020603050405020304" pitchFamily="18" charset="0"/>
+            </a:endParaRPr>
+          </a:p>
+        </p:txBody>
+      </p:sp>
+      <p:cxnSp>
+        <p:nvCxnSpPr>
+          <p:cNvPr id="40" name="直接箭头连接符 39"/>
+          <p:cNvCxnSpPr/>
+          <p:nvPr/>
+        </p:nvCxnSpPr>
+        <p:spPr>
+          <a:xfrm>
+            <a:off x="5368893" y="3930303"/>
+            <a:ext cx="1992038" cy="1107701"/>
+          </a:xfrm>
+          <a:prstGeom prst="straightConnector1">
+            <a:avLst/>
+          </a:prstGeom>
+          <a:noFill/>
+          <a:ln w="38100">
+            <a:solidFill>
+              <a:schemeClr val="tx1"/>
+            </a:solidFill>
+            <a:headEnd type="triangle"/>
+            <a:tailEnd type="none" w="sm" len="sm"/>
+          </a:ln>
+        </p:spPr>
+        <p:style>
+          <a:lnRef idx="2">
+            <a:schemeClr val="accent1">
+              <a:shade val="50000"/>
+            </a:schemeClr>
+          </a:lnRef>
+          <a:fillRef idx="1">
+            <a:schemeClr val="accent1"/>
+          </a:fillRef>
+          <a:effectRef idx="0">
+            <a:schemeClr val="accent1"/>
+          </a:effectRef>
+          <a:fontRef idx="minor">
+            <a:schemeClr val="lt1"/>
+          </a:fontRef>
+        </p:style>
+      </p:cxnSp>
+      <p:sp>
+        <p:nvSpPr>
+          <p:cNvPr id="42" name="矩形 41"/>
+          <p:cNvSpPr/>
+          <p:nvPr/>
+        </p:nvSpPr>
+        <p:spPr>
+          <a:xfrm rot="1784714">
+            <a:off x="4765480" y="4404019"/>
+            <a:ext cx="2967324" cy="779715"/>
+          </a:xfrm>
+          <a:prstGeom prst="rect">
+            <a:avLst/>
+          </a:prstGeom>
+          <a:noFill/>
+          <a:ln w="28575">
+            <a:noFill/>
+          </a:ln>
+        </p:spPr>
+        <p:style>
+          <a:lnRef idx="2">
+            <a:schemeClr val="accent1">
+              <a:shade val="50000"/>
+            </a:schemeClr>
+          </a:lnRef>
+          <a:fillRef idx="1">
+            <a:schemeClr val="accent1"/>
+          </a:fillRef>
+          <a:effectRef idx="0">
+            <a:schemeClr val="accent1"/>
+          </a:effectRef>
+          <a:fontRef idx="minor">
+            <a:schemeClr val="lt1"/>
+          </a:fontRef>
+        </p:style>
+        <p:txBody>
+          <a:bodyPr rtlCol="0" anchor="ctr"/>
+          <a:lstStyle/>
+          <a:p>
+            <a:pPr algn="ctr"/>
+            <a:r>
+              <a:rPr lang="zh-CN" altLang="en-US" dirty="0" smtClean="0">
+                <a:solidFill>
+                  <a:schemeClr val="tx1"/>
+                </a:solidFill>
+                <a:latin typeface="楷体" panose="02010609060101010101" pitchFamily="49" charset="-122"/>
+                <a:ea typeface="楷体" panose="02010609060101010101" pitchFamily="49" charset="-122"/>
+                <a:cs typeface="Times New Roman" panose="02020603050405020304" pitchFamily="18" charset="0"/>
+              </a:rPr>
+              <a:t>基于</a:t>
+            </a:r>
+            <a:r>
+              <a:rPr lang="zh-CN" altLang="en-US" dirty="0" smtClean="0">
+                <a:solidFill>
+                  <a:srgbClr val="C00000"/>
+                </a:solidFill>
+                <a:latin typeface="楷体" panose="02010609060101010101" pitchFamily="49" charset="-122"/>
+                <a:ea typeface="楷体" panose="02010609060101010101" pitchFamily="49" charset="-122"/>
+                <a:cs typeface="Times New Roman" panose="02020603050405020304" pitchFamily="18" charset="0"/>
+              </a:rPr>
+              <a:t>快照</a:t>
+            </a:r>
+            <a:r>
+              <a:rPr lang="zh-CN" altLang="en-US" dirty="0">
+                <a:solidFill>
+                  <a:schemeClr val="tx1"/>
+                </a:solidFill>
+                <a:latin typeface="楷体" panose="02010609060101010101" pitchFamily="49" charset="-122"/>
+                <a:ea typeface="楷体" panose="02010609060101010101" pitchFamily="49" charset="-122"/>
+                <a:cs typeface="Times New Roman" panose="02020603050405020304" pitchFamily="18" charset="0"/>
+              </a:rPr>
+              <a:t>回滚</a:t>
+            </a:r>
+            <a:r>
+              <a:rPr lang="en-US" altLang="zh-CN" dirty="0">
+                <a:solidFill>
+                  <a:schemeClr val="tx1"/>
+                </a:solidFill>
+                <a:latin typeface="楷体" panose="02010609060101010101" pitchFamily="49" charset="-122"/>
+                <a:ea typeface="楷体" panose="02010609060101010101" pitchFamily="49" charset="-122"/>
+                <a:cs typeface="Times New Roman" panose="02020603050405020304" pitchFamily="18" charset="0"/>
+              </a:rPr>
+              <a:t>/</a:t>
+            </a:r>
+            <a:r>
+              <a:rPr lang="zh-CN" altLang="en-US" dirty="0" smtClean="0">
+                <a:solidFill>
+                  <a:schemeClr val="tx1"/>
+                </a:solidFill>
+                <a:latin typeface="楷体" panose="02010609060101010101" pitchFamily="49" charset="-122"/>
+                <a:ea typeface="楷体" panose="02010609060101010101" pitchFamily="49" charset="-122"/>
+                <a:cs typeface="Times New Roman" panose="02020603050405020304" pitchFamily="18" charset="0"/>
+              </a:rPr>
+              <a:t>创建</a:t>
+            </a:r>
+            <a:r>
+              <a:rPr lang="zh-CN" altLang="en-US" dirty="0" smtClean="0">
+                <a:solidFill>
+                  <a:srgbClr val="C00000"/>
+                </a:solidFill>
+                <a:latin typeface="楷体" panose="02010609060101010101" pitchFamily="49" charset="-122"/>
+                <a:ea typeface="楷体" panose="02010609060101010101" pitchFamily="49" charset="-122"/>
+                <a:cs typeface="Times New Roman" panose="02020603050405020304" pitchFamily="18" charset="0"/>
+              </a:rPr>
+              <a:t>虚拟机</a:t>
+            </a:r>
+            <a:endParaRPr lang="en-US" altLang="zh-CN" dirty="0" smtClean="0">
+              <a:solidFill>
+                <a:srgbClr val="C00000"/>
+              </a:solidFill>
+              <a:latin typeface="楷体" panose="02010609060101010101" pitchFamily="49" charset="-122"/>
+              <a:ea typeface="楷体" panose="02010609060101010101" pitchFamily="49" charset="-122"/>
+              <a:cs typeface="Times New Roman" panose="02020603050405020304" pitchFamily="18" charset="0"/>
+            </a:endParaRPr>
+          </a:p>
+        </p:txBody>
+      </p:sp>
+      <p:sp>
+        <p:nvSpPr>
+          <p:cNvPr id="45" name="椭圆 44"/>
+          <p:cNvSpPr/>
+          <p:nvPr/>
+        </p:nvSpPr>
+        <p:spPr>
+          <a:xfrm>
+            <a:off x="9147047" y="1554763"/>
+            <a:ext cx="1684421" cy="1578543"/>
+          </a:xfrm>
+          <a:prstGeom prst="ellipse">
+            <a:avLst/>
+          </a:prstGeom>
+          <a:solidFill>
+            <a:schemeClr val="bg1"/>
+          </a:solidFill>
+          <a:ln w="38100">
+            <a:solidFill>
+              <a:schemeClr val="tx1"/>
+            </a:solidFill>
+          </a:ln>
+        </p:spPr>
+        <p:style>
+          <a:lnRef idx="2">
+            <a:schemeClr val="accent1">
+              <a:shade val="50000"/>
+            </a:schemeClr>
+          </a:lnRef>
+          <a:fillRef idx="1">
+            <a:schemeClr val="accent1"/>
+          </a:fillRef>
+          <a:effectRef idx="0">
+            <a:schemeClr val="accent1"/>
+          </a:effectRef>
+          <a:fontRef idx="minor">
+            <a:schemeClr val="lt1"/>
+          </a:fontRef>
+        </p:style>
+        <p:txBody>
+          <a:bodyPr rtlCol="0" anchor="ctr"/>
+          <a:lstStyle/>
+          <a:p>
+            <a:pPr algn="ctr"/>
+            <a:r>
+              <a:rPr lang="en-US" altLang="zh-CN" dirty="0" smtClean="0">
+                <a:solidFill>
+                  <a:schemeClr val="tx1"/>
+                </a:solidFill>
+                <a:latin typeface="Times New Roman" panose="02020603050405020304" pitchFamily="18" charset="0"/>
+                <a:cs typeface="Times New Roman" panose="02020603050405020304" pitchFamily="18" charset="0"/>
+              </a:rPr>
+              <a:t>Virtual</a:t>
+            </a:r>
+          </a:p>
+          <a:p>
+            <a:pPr algn="ctr"/>
+            <a:r>
+              <a:rPr lang="en-US" altLang="zh-CN" dirty="0" smtClean="0">
+                <a:solidFill>
+                  <a:schemeClr val="tx1"/>
+                </a:solidFill>
+                <a:latin typeface="Times New Roman" panose="02020603050405020304" pitchFamily="18" charset="0"/>
+                <a:cs typeface="Times New Roman" panose="02020603050405020304" pitchFamily="18" charset="0"/>
+              </a:rPr>
+              <a:t>Machine</a:t>
+            </a:r>
+          </a:p>
+          <a:p>
+            <a:pPr algn="ctr"/>
+            <a:r>
+              <a:rPr lang="en-US" altLang="zh-CN" dirty="0">
+                <a:solidFill>
+                  <a:schemeClr val="tx1"/>
+                </a:solidFill>
+                <a:latin typeface="Times New Roman" panose="02020603050405020304" pitchFamily="18" charset="0"/>
+                <a:cs typeface="Times New Roman" panose="02020603050405020304" pitchFamily="18" charset="0"/>
+              </a:rPr>
+              <a:t>Disk</a:t>
+            </a:r>
+            <a:endParaRPr lang="zh-CN" altLang="en-US" dirty="0"/>
+          </a:p>
+        </p:txBody>
+      </p:sp>
+      <p:cxnSp>
+        <p:nvCxnSpPr>
+          <p:cNvPr id="43" name="直接箭头连接符 42"/>
+          <p:cNvCxnSpPr>
+            <a:stCxn id="45" idx="2"/>
+          </p:cNvCxnSpPr>
+          <p:nvPr/>
+        </p:nvCxnSpPr>
+        <p:spPr>
+          <a:xfrm flipH="1">
+            <a:off x="5785711" y="2344035"/>
+            <a:ext cx="3361336" cy="625645"/>
+          </a:xfrm>
+          <a:prstGeom prst="straightConnector1">
+            <a:avLst/>
+          </a:prstGeom>
+          <a:noFill/>
+          <a:ln w="38100">
+            <a:solidFill>
+              <a:schemeClr val="tx1"/>
+            </a:solidFill>
+            <a:tailEnd type="triangle"/>
+          </a:ln>
+        </p:spPr>
+        <p:style>
+          <a:lnRef idx="2">
+            <a:schemeClr val="accent1">
+              <a:shade val="50000"/>
+            </a:schemeClr>
+          </a:lnRef>
+          <a:fillRef idx="1">
+            <a:schemeClr val="accent1"/>
+          </a:fillRef>
+          <a:effectRef idx="0">
+            <a:schemeClr val="accent1"/>
+          </a:effectRef>
+          <a:fontRef idx="minor">
+            <a:schemeClr val="lt1"/>
+          </a:fontRef>
+        </p:style>
+      </p:cxnSp>
+      <p:sp>
+        <p:nvSpPr>
+          <p:cNvPr id="49" name="矩形 48"/>
+          <p:cNvSpPr/>
+          <p:nvPr/>
+        </p:nvSpPr>
+        <p:spPr>
+          <a:xfrm rot="20950416">
+            <a:off x="6190363" y="2009661"/>
+            <a:ext cx="2727683" cy="779715"/>
+          </a:xfrm>
+          <a:prstGeom prst="rect">
+            <a:avLst/>
+          </a:prstGeom>
+          <a:noFill/>
+          <a:ln w="28575">
+            <a:noFill/>
+          </a:ln>
+        </p:spPr>
+        <p:style>
+          <a:lnRef idx="2">
+            <a:schemeClr val="accent1">
+              <a:shade val="50000"/>
+            </a:schemeClr>
+          </a:lnRef>
+          <a:fillRef idx="1">
+            <a:schemeClr val="accent1"/>
+          </a:fillRef>
+          <a:effectRef idx="0">
+            <a:schemeClr val="accent1"/>
+          </a:effectRef>
+          <a:fontRef idx="minor">
+            <a:schemeClr val="lt1"/>
+          </a:fontRef>
+        </p:style>
+        <p:txBody>
+          <a:bodyPr rtlCol="0" anchor="ctr"/>
+          <a:lstStyle/>
+          <a:p>
+            <a:pPr algn="ctr"/>
+            <a:r>
+              <a:rPr lang="zh-CN" altLang="en-US" dirty="0" smtClean="0">
+                <a:solidFill>
+                  <a:schemeClr val="tx1"/>
+                </a:solidFill>
+                <a:latin typeface="楷体" panose="02010609060101010101" pitchFamily="49" charset="-122"/>
+                <a:ea typeface="楷体" panose="02010609060101010101" pitchFamily="49" charset="-122"/>
+                <a:cs typeface="Times New Roman" panose="02020603050405020304" pitchFamily="18" charset="0"/>
+              </a:rPr>
+              <a:t>挂载</a:t>
+            </a:r>
+            <a:r>
+              <a:rPr lang="en-US" altLang="zh-CN" dirty="0" smtClean="0">
+                <a:solidFill>
+                  <a:schemeClr val="tx1"/>
+                </a:solidFill>
+                <a:latin typeface="楷体" panose="02010609060101010101" pitchFamily="49" charset="-122"/>
+                <a:ea typeface="楷体" panose="02010609060101010101" pitchFamily="49" charset="-122"/>
+                <a:cs typeface="Times New Roman" panose="02020603050405020304" pitchFamily="18" charset="0"/>
+              </a:rPr>
+              <a:t>/</a:t>
+            </a:r>
+            <a:r>
+              <a:rPr lang="zh-CN" altLang="en-US" dirty="0" smtClean="0">
+                <a:solidFill>
+                  <a:schemeClr val="tx1"/>
+                </a:solidFill>
+                <a:latin typeface="楷体" panose="02010609060101010101" pitchFamily="49" charset="-122"/>
+                <a:ea typeface="楷体" panose="02010609060101010101" pitchFamily="49" charset="-122"/>
+                <a:cs typeface="Times New Roman" panose="02020603050405020304" pitchFamily="18" charset="0"/>
+              </a:rPr>
+              <a:t>卸载</a:t>
+            </a:r>
+            <a:r>
+              <a:rPr lang="zh-CN" altLang="en-US" b="1" dirty="0" smtClean="0">
+                <a:solidFill>
+                  <a:srgbClr val="C00000"/>
+                </a:solidFill>
+                <a:latin typeface="楷体" panose="02010609060101010101" pitchFamily="49" charset="-122"/>
+                <a:ea typeface="楷体" panose="02010609060101010101" pitchFamily="49" charset="-122"/>
+                <a:cs typeface="Times New Roman" panose="02020603050405020304" pitchFamily="18" charset="0"/>
+              </a:rPr>
+              <a:t>硬盘</a:t>
+            </a:r>
+            <a:endParaRPr lang="en-US" altLang="zh-CN" b="1" dirty="0" smtClean="0">
+              <a:solidFill>
+                <a:srgbClr val="C00000"/>
+              </a:solidFill>
+              <a:latin typeface="楷体" panose="02010609060101010101" pitchFamily="49" charset="-122"/>
+              <a:ea typeface="楷体" panose="02010609060101010101" pitchFamily="49" charset="-122"/>
+              <a:cs typeface="Times New Roman" panose="02020603050405020304" pitchFamily="18" charset="0"/>
+            </a:endParaRPr>
+          </a:p>
+        </p:txBody>
+      </p:sp>
+      <p:cxnSp>
+        <p:nvCxnSpPr>
+          <p:cNvPr id="50" name="直接箭头连接符 49"/>
+          <p:cNvCxnSpPr/>
+          <p:nvPr/>
+        </p:nvCxnSpPr>
+        <p:spPr>
+          <a:xfrm flipH="1">
+            <a:off x="8391784" y="3009022"/>
+            <a:ext cx="1039853" cy="1420509"/>
+          </a:xfrm>
+          <a:prstGeom prst="straightConnector1">
+            <a:avLst/>
+          </a:prstGeom>
+          <a:noFill/>
+          <a:ln w="38100">
+            <a:solidFill>
+              <a:schemeClr val="tx1"/>
+            </a:solidFill>
+            <a:tailEnd type="triangle"/>
+          </a:ln>
+        </p:spPr>
+        <p:style>
+          <a:lnRef idx="2">
+            <a:schemeClr val="accent1">
+              <a:shade val="50000"/>
+            </a:schemeClr>
+          </a:lnRef>
+          <a:fillRef idx="1">
+            <a:schemeClr val="accent1"/>
+          </a:fillRef>
+          <a:effectRef idx="0">
+            <a:schemeClr val="accent1"/>
+          </a:effectRef>
+          <a:fontRef idx="minor">
+            <a:schemeClr val="lt1"/>
+          </a:fontRef>
+        </p:style>
+      </p:cxnSp>
+      <p:sp>
+        <p:nvSpPr>
+          <p:cNvPr id="53" name="矩形 52"/>
+          <p:cNvSpPr/>
+          <p:nvPr/>
+        </p:nvSpPr>
+        <p:spPr>
+          <a:xfrm rot="18478537">
+            <a:off x="7419574" y="3219414"/>
+            <a:ext cx="2727683" cy="779715"/>
+          </a:xfrm>
+          <a:prstGeom prst="rect">
+            <a:avLst/>
+          </a:prstGeom>
+          <a:noFill/>
+          <a:ln w="28575">
+            <a:noFill/>
+          </a:ln>
+        </p:spPr>
+        <p:style>
+          <a:lnRef idx="2">
+            <a:schemeClr val="accent1">
+              <a:shade val="50000"/>
+            </a:schemeClr>
+          </a:lnRef>
+          <a:fillRef idx="1">
+            <a:schemeClr val="accent1"/>
+          </a:fillRef>
+          <a:effectRef idx="0">
+            <a:schemeClr val="accent1"/>
+          </a:effectRef>
+          <a:fontRef idx="minor">
+            <a:schemeClr val="lt1"/>
+          </a:fontRef>
+        </p:style>
+        <p:txBody>
+          <a:bodyPr rtlCol="0" anchor="ctr"/>
+          <a:lstStyle/>
+          <a:p>
+            <a:pPr algn="ctr"/>
+            <a:r>
+              <a:rPr lang="zh-CN" altLang="en-US" dirty="0" smtClean="0">
+                <a:solidFill>
+                  <a:schemeClr val="tx1"/>
+                </a:solidFill>
+                <a:latin typeface="楷体" panose="02010609060101010101" pitchFamily="49" charset="-122"/>
+                <a:ea typeface="楷体" panose="02010609060101010101" pitchFamily="49" charset="-122"/>
+                <a:cs typeface="Times New Roman" panose="02020603050405020304" pitchFamily="18" charset="0"/>
+              </a:rPr>
+              <a:t>为</a:t>
+            </a:r>
+            <a:r>
+              <a:rPr lang="zh-CN" altLang="en-US" b="1" dirty="0" smtClean="0">
+                <a:solidFill>
+                  <a:srgbClr val="C00000"/>
+                </a:solidFill>
+                <a:latin typeface="楷体" panose="02010609060101010101" pitchFamily="49" charset="-122"/>
+                <a:ea typeface="楷体" panose="02010609060101010101" pitchFamily="49" charset="-122"/>
+                <a:cs typeface="Times New Roman" panose="02020603050405020304" pitchFamily="18" charset="0"/>
+              </a:rPr>
+              <a:t>硬盘</a:t>
+            </a:r>
+            <a:r>
+              <a:rPr lang="zh-CN" altLang="en-US" dirty="0" smtClean="0">
+                <a:solidFill>
+                  <a:schemeClr val="tx1"/>
+                </a:solidFill>
+                <a:latin typeface="楷体" panose="02010609060101010101" pitchFamily="49" charset="-122"/>
+                <a:ea typeface="楷体" panose="02010609060101010101" pitchFamily="49" charset="-122"/>
+                <a:cs typeface="Times New Roman" panose="02020603050405020304" pitchFamily="18" charset="0"/>
+              </a:rPr>
+              <a:t>做</a:t>
+            </a:r>
+            <a:r>
+              <a:rPr lang="zh-CN" altLang="en-US" b="1" dirty="0" smtClean="0">
+                <a:solidFill>
+                  <a:srgbClr val="C00000"/>
+                </a:solidFill>
+                <a:latin typeface="楷体" panose="02010609060101010101" pitchFamily="49" charset="-122"/>
+                <a:ea typeface="楷体" panose="02010609060101010101" pitchFamily="49" charset="-122"/>
+                <a:cs typeface="Times New Roman" panose="02020603050405020304" pitchFamily="18" charset="0"/>
+              </a:rPr>
+              <a:t>快照</a:t>
+            </a:r>
+            <a:endParaRPr lang="en-US" altLang="zh-CN" b="1" dirty="0" smtClean="0">
+              <a:solidFill>
+                <a:srgbClr val="C00000"/>
+              </a:solidFill>
+              <a:latin typeface="楷体" panose="02010609060101010101" pitchFamily="49" charset="-122"/>
+              <a:ea typeface="楷体" panose="02010609060101010101" pitchFamily="49" charset="-122"/>
+              <a:cs typeface="Times New Roman" panose="02020603050405020304" pitchFamily="18" charset="0"/>
+            </a:endParaRPr>
+          </a:p>
+        </p:txBody>
+      </p:sp>
+      <p:cxnSp>
+        <p:nvCxnSpPr>
+          <p:cNvPr id="52" name="直接箭头连接符 51"/>
+          <p:cNvCxnSpPr>
+            <a:endCxn id="45" idx="4"/>
+          </p:cNvCxnSpPr>
+          <p:nvPr/>
+        </p:nvCxnSpPr>
+        <p:spPr>
+          <a:xfrm flipV="1">
+            <a:off x="8901295" y="3133306"/>
+            <a:ext cx="1087963" cy="1570957"/>
+          </a:xfrm>
+          <a:prstGeom prst="straightConnector1">
+            <a:avLst/>
+          </a:prstGeom>
+          <a:noFill/>
+          <a:ln w="38100">
+            <a:solidFill>
+              <a:schemeClr val="tx1"/>
+            </a:solidFill>
+            <a:tailEnd type="triangle"/>
+          </a:ln>
+        </p:spPr>
+        <p:style>
+          <a:lnRef idx="2">
+            <a:schemeClr val="accent1">
+              <a:shade val="50000"/>
+            </a:schemeClr>
+          </a:lnRef>
+          <a:fillRef idx="1">
+            <a:schemeClr val="accent1"/>
+          </a:fillRef>
+          <a:effectRef idx="0">
+            <a:schemeClr val="accent1"/>
+          </a:effectRef>
+          <a:fontRef idx="minor">
+            <a:schemeClr val="lt1"/>
+          </a:fontRef>
+        </p:style>
+      </p:cxnSp>
+      <p:sp>
+        <p:nvSpPr>
+          <p:cNvPr id="57" name="矩形 56"/>
+          <p:cNvSpPr/>
+          <p:nvPr/>
+        </p:nvSpPr>
+        <p:spPr>
+          <a:xfrm rot="18233934">
+            <a:off x="8202212" y="3648837"/>
+            <a:ext cx="2727683" cy="779715"/>
+          </a:xfrm>
+          <a:prstGeom prst="rect">
+            <a:avLst/>
+          </a:prstGeom>
+          <a:noFill/>
+          <a:ln w="28575">
+            <a:noFill/>
+          </a:ln>
+        </p:spPr>
+        <p:style>
+          <a:lnRef idx="2">
+            <a:schemeClr val="accent1">
+              <a:shade val="50000"/>
+            </a:schemeClr>
+          </a:lnRef>
+          <a:fillRef idx="1">
+            <a:schemeClr val="accent1"/>
+          </a:fillRef>
+          <a:effectRef idx="0">
+            <a:schemeClr val="accent1"/>
+          </a:effectRef>
+          <a:fontRef idx="minor">
+            <a:schemeClr val="lt1"/>
+          </a:fontRef>
+        </p:style>
+        <p:txBody>
+          <a:bodyPr rtlCol="0" anchor="ctr"/>
+          <a:lstStyle/>
+          <a:p>
+            <a:pPr algn="ctr"/>
+            <a:r>
+              <a:rPr lang="zh-CN" altLang="en-US" dirty="0" smtClean="0">
+                <a:solidFill>
+                  <a:schemeClr val="tx1"/>
+                </a:solidFill>
+                <a:latin typeface="楷体" panose="02010609060101010101" pitchFamily="49" charset="-122"/>
+                <a:ea typeface="楷体" panose="02010609060101010101" pitchFamily="49" charset="-122"/>
+                <a:cs typeface="Times New Roman" panose="02020603050405020304" pitchFamily="18" charset="0"/>
+              </a:rPr>
+              <a:t>基于</a:t>
+            </a:r>
+            <a:r>
+              <a:rPr lang="zh-CN" altLang="en-US" dirty="0" smtClean="0">
+                <a:solidFill>
+                  <a:srgbClr val="C00000"/>
+                </a:solidFill>
+                <a:latin typeface="楷体" panose="02010609060101010101" pitchFamily="49" charset="-122"/>
+                <a:ea typeface="楷体" panose="02010609060101010101" pitchFamily="49" charset="-122"/>
+                <a:cs typeface="Times New Roman" panose="02020603050405020304" pitchFamily="18" charset="0"/>
+              </a:rPr>
+              <a:t>快照</a:t>
+            </a:r>
+            <a:r>
+              <a:rPr lang="zh-CN" altLang="en-US" dirty="0" smtClean="0">
+                <a:solidFill>
+                  <a:schemeClr val="tx1"/>
+                </a:solidFill>
+                <a:latin typeface="楷体" panose="02010609060101010101" pitchFamily="49" charset="-122"/>
+                <a:ea typeface="楷体" panose="02010609060101010101" pitchFamily="49" charset="-122"/>
+                <a:cs typeface="Times New Roman" panose="02020603050405020304" pitchFamily="18" charset="0"/>
+              </a:rPr>
+              <a:t>生成</a:t>
+            </a:r>
+            <a:r>
+              <a:rPr lang="zh-CN" altLang="en-US" dirty="0" smtClean="0">
+                <a:solidFill>
+                  <a:srgbClr val="C00000"/>
+                </a:solidFill>
+                <a:latin typeface="楷体" panose="02010609060101010101" pitchFamily="49" charset="-122"/>
+                <a:ea typeface="楷体" panose="02010609060101010101" pitchFamily="49" charset="-122"/>
+                <a:cs typeface="Times New Roman" panose="02020603050405020304" pitchFamily="18" charset="0"/>
+              </a:rPr>
+              <a:t>硬盘</a:t>
+            </a:r>
+            <a:endParaRPr lang="en-US" altLang="zh-CN" dirty="0" smtClean="0">
+              <a:solidFill>
+                <a:srgbClr val="C00000"/>
+              </a:solidFill>
+              <a:latin typeface="楷体" panose="02010609060101010101" pitchFamily="49" charset="-122"/>
+              <a:ea typeface="楷体" panose="02010609060101010101" pitchFamily="49" charset="-122"/>
+              <a:cs typeface="Times New Roman" panose="02020603050405020304" pitchFamily="18" charset="0"/>
+            </a:endParaRPr>
+          </a:p>
+        </p:txBody>
+      </p:sp>
+      <p:pic>
+        <p:nvPicPr>
+          <p:cNvPr id="56" name="图片 55"/>
+          <p:cNvPicPr>
+            <a:picLocks noChangeAspect="1"/>
+          </p:cNvPicPr>
+          <p:nvPr/>
+        </p:nvPicPr>
+        <p:blipFill>
+          <a:blip r:embed="rId3"/>
+          <a:stretch>
+            <a:fillRect/>
+          </a:stretch>
+        </p:blipFill>
+        <p:spPr>
+          <a:xfrm>
+            <a:off x="573604" y="1344276"/>
+            <a:ext cx="1343025" cy="1312581"/>
+          </a:xfrm>
+          <a:prstGeom prst="rect">
+            <a:avLst/>
+          </a:prstGeom>
+        </p:spPr>
+      </p:pic>
+      <p:cxnSp>
+        <p:nvCxnSpPr>
+          <p:cNvPr id="63" name="直接箭头连接符 62"/>
+          <p:cNvCxnSpPr>
+            <a:stCxn id="56" idx="3"/>
+            <a:endCxn id="17" idx="1"/>
+          </p:cNvCxnSpPr>
+          <p:nvPr/>
+        </p:nvCxnSpPr>
+        <p:spPr>
+          <a:xfrm>
+            <a:off x="1916629" y="2000567"/>
+            <a:ext cx="2449946" cy="690757"/>
+          </a:xfrm>
+          <a:prstGeom prst="straightConnector1">
+            <a:avLst/>
+          </a:prstGeom>
+          <a:noFill/>
+          <a:ln w="38100">
+            <a:solidFill>
+              <a:schemeClr val="tx1"/>
+            </a:solidFill>
+            <a:tailEnd type="triangle"/>
+          </a:ln>
+        </p:spPr>
+        <p:style>
+          <a:lnRef idx="2">
+            <a:schemeClr val="accent1">
+              <a:shade val="50000"/>
+            </a:schemeClr>
+          </a:lnRef>
+          <a:fillRef idx="1">
+            <a:schemeClr val="accent1"/>
+          </a:fillRef>
+          <a:effectRef idx="0">
+            <a:schemeClr val="accent1"/>
+          </a:effectRef>
+          <a:fontRef idx="minor">
+            <a:schemeClr val="lt1"/>
+          </a:fontRef>
+        </p:style>
+      </p:cxnSp>
+      <p:sp>
+        <p:nvSpPr>
+          <p:cNvPr id="67" name="矩形 66"/>
+          <p:cNvSpPr/>
+          <p:nvPr/>
+        </p:nvSpPr>
+        <p:spPr>
+          <a:xfrm rot="958477">
+            <a:off x="2201921" y="1954521"/>
+            <a:ext cx="2695739" cy="650287"/>
+          </a:xfrm>
+          <a:prstGeom prst="rect">
+            <a:avLst/>
+          </a:prstGeom>
+          <a:noFill/>
+          <a:ln w="28575">
+            <a:noFill/>
+          </a:ln>
+        </p:spPr>
+        <p:style>
+          <a:lnRef idx="2">
+            <a:schemeClr val="accent1">
+              <a:shade val="50000"/>
+            </a:schemeClr>
+          </a:lnRef>
+          <a:fillRef idx="1">
+            <a:schemeClr val="accent1"/>
+          </a:fillRef>
+          <a:effectRef idx="0">
+            <a:schemeClr val="accent1"/>
+          </a:effectRef>
+          <a:fontRef idx="minor">
+            <a:schemeClr val="lt1"/>
+          </a:fontRef>
+        </p:style>
+        <p:txBody>
+          <a:bodyPr rtlCol="0" anchor="ctr"/>
+          <a:lstStyle/>
+          <a:p>
+            <a:pPr algn="ctr"/>
+            <a:r>
+              <a:rPr lang="zh-CN" altLang="en-US" dirty="0">
+                <a:solidFill>
+                  <a:schemeClr val="tx1"/>
+                </a:solidFill>
+                <a:latin typeface="楷体" panose="02010609060101010101" pitchFamily="49" charset="-122"/>
+                <a:ea typeface="楷体" panose="02010609060101010101" pitchFamily="49" charset="-122"/>
+                <a:cs typeface="Times New Roman" panose="02020603050405020304" pitchFamily="18" charset="0"/>
+              </a:rPr>
+              <a:t>导</a:t>
+            </a:r>
+            <a:r>
+              <a:rPr lang="zh-CN" altLang="en-US" dirty="0" smtClean="0">
+                <a:solidFill>
+                  <a:schemeClr val="tx1"/>
+                </a:solidFill>
+                <a:latin typeface="楷体" panose="02010609060101010101" pitchFamily="49" charset="-122"/>
+                <a:ea typeface="楷体" panose="02010609060101010101" pitchFamily="49" charset="-122"/>
+                <a:cs typeface="Times New Roman" panose="02020603050405020304" pitchFamily="18" charset="0"/>
+              </a:rPr>
+              <a:t>入或者安装</a:t>
+            </a:r>
+            <a:r>
+              <a:rPr lang="en-US" altLang="zh-CN" dirty="0" smtClean="0">
+                <a:solidFill>
+                  <a:schemeClr val="tx1"/>
+                </a:solidFill>
+                <a:latin typeface="楷体" panose="02010609060101010101" pitchFamily="49" charset="-122"/>
+                <a:ea typeface="楷体" panose="02010609060101010101" pitchFamily="49" charset="-122"/>
+                <a:cs typeface="Times New Roman" panose="02020603050405020304" pitchFamily="18" charset="0"/>
+              </a:rPr>
+              <a:t>OS</a:t>
+            </a:r>
+            <a:endParaRPr lang="en-US" altLang="zh-CN" b="1" dirty="0" smtClean="0">
+              <a:solidFill>
+                <a:srgbClr val="C00000"/>
+              </a:solidFill>
+              <a:latin typeface="楷体" panose="02010609060101010101" pitchFamily="49" charset="-122"/>
+              <a:ea typeface="楷体" panose="02010609060101010101" pitchFamily="49" charset="-122"/>
+              <a:cs typeface="Times New Roman" panose="02020603050405020304" pitchFamily="18" charset="0"/>
+            </a:endParaRPr>
+          </a:p>
+        </p:txBody>
+      </p:sp>
+      <p:cxnSp>
+        <p:nvCxnSpPr>
+          <p:cNvPr id="68" name="直接箭头连接符 67"/>
+          <p:cNvCxnSpPr/>
+          <p:nvPr/>
+        </p:nvCxnSpPr>
+        <p:spPr>
+          <a:xfrm flipV="1">
+            <a:off x="1916629" y="1884981"/>
+            <a:ext cx="7229052" cy="63347"/>
+          </a:xfrm>
+          <a:prstGeom prst="straightConnector1">
+            <a:avLst/>
+          </a:prstGeom>
+          <a:noFill/>
+          <a:ln w="38100">
+            <a:solidFill>
+              <a:schemeClr val="tx1"/>
+            </a:solidFill>
+            <a:tailEnd type="triangle"/>
+          </a:ln>
+        </p:spPr>
+        <p:style>
+          <a:lnRef idx="2">
+            <a:schemeClr val="accent1">
+              <a:shade val="50000"/>
+            </a:schemeClr>
+          </a:lnRef>
+          <a:fillRef idx="1">
+            <a:schemeClr val="accent1"/>
+          </a:fillRef>
+          <a:effectRef idx="0">
+            <a:schemeClr val="accent1"/>
+          </a:effectRef>
+          <a:fontRef idx="minor">
+            <a:schemeClr val="lt1"/>
+          </a:fontRef>
+        </p:style>
+      </p:cxnSp>
+      <p:sp>
+        <p:nvSpPr>
+          <p:cNvPr id="71" name="矩形 70"/>
+          <p:cNvSpPr/>
+          <p:nvPr/>
+        </p:nvSpPr>
+        <p:spPr>
+          <a:xfrm>
+            <a:off x="4190382" y="1343739"/>
+            <a:ext cx="2695739" cy="650287"/>
+          </a:xfrm>
+          <a:prstGeom prst="rect">
+            <a:avLst/>
+          </a:prstGeom>
+          <a:noFill/>
+          <a:ln w="28575">
+            <a:noFill/>
+          </a:ln>
+        </p:spPr>
+        <p:style>
+          <a:lnRef idx="2">
+            <a:schemeClr val="accent1">
+              <a:shade val="50000"/>
+            </a:schemeClr>
+          </a:lnRef>
+          <a:fillRef idx="1">
+            <a:schemeClr val="accent1"/>
+          </a:fillRef>
+          <a:effectRef idx="0">
+            <a:schemeClr val="accent1"/>
+          </a:effectRef>
+          <a:fontRef idx="minor">
+            <a:schemeClr val="lt1"/>
+          </a:fontRef>
+        </p:style>
+        <p:txBody>
+          <a:bodyPr rtlCol="0" anchor="ctr"/>
+          <a:lstStyle/>
+          <a:p>
+            <a:pPr algn="ctr"/>
+            <a:r>
+              <a:rPr lang="zh-CN" altLang="en-US" dirty="0" smtClean="0">
+                <a:solidFill>
+                  <a:schemeClr val="tx1"/>
+                </a:solidFill>
+                <a:latin typeface="楷体" panose="02010609060101010101" pitchFamily="49" charset="-122"/>
+                <a:ea typeface="楷体" panose="02010609060101010101" pitchFamily="49" charset="-122"/>
+                <a:cs typeface="Times New Roman" panose="02020603050405020304" pitchFamily="18" charset="0"/>
+              </a:rPr>
+              <a:t>创建</a:t>
+            </a:r>
+            <a:endParaRPr lang="en-US" altLang="zh-CN" b="1" dirty="0" smtClean="0">
+              <a:solidFill>
+                <a:srgbClr val="C00000"/>
+              </a:solidFill>
+              <a:latin typeface="楷体" panose="02010609060101010101" pitchFamily="49" charset="-122"/>
+              <a:ea typeface="楷体" panose="02010609060101010101" pitchFamily="49" charset="-122"/>
+              <a:cs typeface="Times New Roman" panose="02020603050405020304" pitchFamily="18" charset="0"/>
+            </a:endParaRPr>
+          </a:p>
+        </p:txBody>
+      </p:sp>
+    </p:spTree>
+    <p:extLst>
+      <p:ext uri="{BB962C8B-B14F-4D97-AF65-F5344CB8AC3E}">
+        <p14:creationId xmlns:p14="http://schemas.microsoft.com/office/powerpoint/2010/main" val="2582711339"/>
       </p:ext>
     </p:extLst>
   </p:cSld>
